--- a/doc/devdoc/Anforderungen an Fehleranzeige.pptx
+++ b/doc/devdoc/Anforderungen an Fehleranzeige.pptx
@@ -106,6 +106,11 @@
       </a:defRPr>
     </a:lvl9pPr>
   </p:defaultTextStyle>
+  <p:extLst>
+    <p:ext uri="{EFAFB233-063F-42B5-8137-9DF3F51BA10A}">
+      <p15:sldGuideLst xmlns:p15="http://schemas.microsoft.com/office/powerpoint/2012/main"/>
+    </p:ext>
+  </p:extLst>
 </p:presentation>
 </file>
 
@@ -240,7 +245,7 @@
           <a:p>
             <a:fld id="{DF6398AD-6725-4853-A06D-297D0447FE54}" type="datetimeFigureOut">
               <a:rPr lang="de-DE" smtClean="0"/>
-              <a:t>25.04.2022</a:t>
+              <a:t>26.04.2022</a:t>
             </a:fld>
             <a:endParaRPr lang="de-DE" dirty="0"/>
           </a:p>
@@ -410,7 +415,7 @@
           <a:p>
             <a:fld id="{DF6398AD-6725-4853-A06D-297D0447FE54}" type="datetimeFigureOut">
               <a:rPr lang="de-DE" smtClean="0"/>
-              <a:t>25.04.2022</a:t>
+              <a:t>26.04.2022</a:t>
             </a:fld>
             <a:endParaRPr lang="de-DE" dirty="0"/>
           </a:p>
@@ -590,7 +595,7 @@
           <a:p>
             <a:fld id="{DF6398AD-6725-4853-A06D-297D0447FE54}" type="datetimeFigureOut">
               <a:rPr lang="de-DE" smtClean="0"/>
-              <a:t>25.04.2022</a:t>
+              <a:t>26.04.2022</a:t>
             </a:fld>
             <a:endParaRPr lang="de-DE" dirty="0"/>
           </a:p>
@@ -760,7 +765,7 @@
           <a:p>
             <a:fld id="{DF6398AD-6725-4853-A06D-297D0447FE54}" type="datetimeFigureOut">
               <a:rPr lang="de-DE" smtClean="0"/>
-              <a:t>25.04.2022</a:t>
+              <a:t>26.04.2022</a:t>
             </a:fld>
             <a:endParaRPr lang="de-DE" dirty="0"/>
           </a:p>
@@ -1006,7 +1011,7 @@
           <a:p>
             <a:fld id="{DF6398AD-6725-4853-A06D-297D0447FE54}" type="datetimeFigureOut">
               <a:rPr lang="de-DE" smtClean="0"/>
-              <a:t>25.04.2022</a:t>
+              <a:t>26.04.2022</a:t>
             </a:fld>
             <a:endParaRPr lang="de-DE" dirty="0"/>
           </a:p>
@@ -1238,7 +1243,7 @@
           <a:p>
             <a:fld id="{DF6398AD-6725-4853-A06D-297D0447FE54}" type="datetimeFigureOut">
               <a:rPr lang="de-DE" smtClean="0"/>
-              <a:t>25.04.2022</a:t>
+              <a:t>26.04.2022</a:t>
             </a:fld>
             <a:endParaRPr lang="de-DE" dirty="0"/>
           </a:p>
@@ -1605,7 +1610,7 @@
           <a:p>
             <a:fld id="{DF6398AD-6725-4853-A06D-297D0447FE54}" type="datetimeFigureOut">
               <a:rPr lang="de-DE" smtClean="0"/>
-              <a:t>25.04.2022</a:t>
+              <a:t>26.04.2022</a:t>
             </a:fld>
             <a:endParaRPr lang="de-DE" dirty="0"/>
           </a:p>
@@ -1723,7 +1728,7 @@
           <a:p>
             <a:fld id="{DF6398AD-6725-4853-A06D-297D0447FE54}" type="datetimeFigureOut">
               <a:rPr lang="de-DE" smtClean="0"/>
-              <a:t>25.04.2022</a:t>
+              <a:t>26.04.2022</a:t>
             </a:fld>
             <a:endParaRPr lang="de-DE" dirty="0"/>
           </a:p>
@@ -1818,7 +1823,7 @@
           <a:p>
             <a:fld id="{DF6398AD-6725-4853-A06D-297D0447FE54}" type="datetimeFigureOut">
               <a:rPr lang="de-DE" smtClean="0"/>
-              <a:t>25.04.2022</a:t>
+              <a:t>26.04.2022</a:t>
             </a:fld>
             <a:endParaRPr lang="de-DE" dirty="0"/>
           </a:p>
@@ -2095,7 +2100,7 @@
           <a:p>
             <a:fld id="{DF6398AD-6725-4853-A06D-297D0447FE54}" type="datetimeFigureOut">
               <a:rPr lang="de-DE" smtClean="0"/>
-              <a:t>25.04.2022</a:t>
+              <a:t>26.04.2022</a:t>
             </a:fld>
             <a:endParaRPr lang="de-DE" dirty="0"/>
           </a:p>
@@ -2348,7 +2353,7 @@
           <a:p>
             <a:fld id="{DF6398AD-6725-4853-A06D-297D0447FE54}" type="datetimeFigureOut">
               <a:rPr lang="de-DE" smtClean="0"/>
-              <a:t>25.04.2022</a:t>
+              <a:t>26.04.2022</a:t>
             </a:fld>
             <a:endParaRPr lang="de-DE" dirty="0"/>
           </a:p>
@@ -2561,7 +2566,7 @@
           <a:p>
             <a:fld id="{DF6398AD-6725-4853-A06D-297D0447FE54}" type="datetimeFigureOut">
               <a:rPr lang="de-DE" smtClean="0"/>
-              <a:t>25.04.2022</a:t>
+              <a:t>26.04.2022</a:t>
             </a:fld>
             <a:endParaRPr lang="de-DE" dirty="0"/>
           </a:p>
@@ -3010,72 +3015,39 @@
           <a:p>
             <a:r>
               <a:rPr lang="de-DE" sz="1800" dirty="0" smtClean="0"/>
-              <a:t>Globales DEBUG </a:t>
-            </a:r>
+              <a:t>Globales DEBUG setting</a:t>
+            </a:r>
+            <a:endParaRPr lang="de-DE" sz="1800" dirty="0"/>
+          </a:p>
+          <a:p>
             <a:r>
               <a:rPr lang="de-DE" sz="1800" dirty="0" smtClean="0"/>
-              <a:t>setting</a:t>
-            </a:r>
+              <a:t>Wann wird was angeziegt?</a:t>
+            </a:r>
+          </a:p>
+          <a:p>
             <a:endParaRPr lang="de-DE" sz="1800" dirty="0"/>
           </a:p>
           <a:p>
+            <a:endParaRPr lang="de-DE" sz="1800" dirty="0" smtClean="0"/>
+          </a:p>
+          <a:p>
+            <a:endParaRPr lang="de-DE" sz="1800" dirty="0"/>
+          </a:p>
+          <a:p>
+            <a:endParaRPr lang="de-DE" sz="1800" dirty="0" smtClean="0"/>
+          </a:p>
+          <a:p>
             <a:r>
               <a:rPr lang="de-DE" sz="1800" dirty="0" smtClean="0"/>
-              <a:t>Wann wird was </a:t>
-            </a:r>
+              <a:t>Fehler in logger mit entsprechendem Level</a:t>
+            </a:r>
+          </a:p>
+          <a:p>
             <a:r>
               <a:rPr lang="de-DE" sz="1800" dirty="0" smtClean="0"/>
-              <a:t>angeziegt</a:t>
-            </a:r>
-            <a:r>
-              <a:rPr lang="de-DE" sz="1800" dirty="0" smtClean="0"/>
-              <a:t>?</a:t>
-            </a:r>
-          </a:p>
-          <a:p>
-            <a:endParaRPr lang="de-DE" sz="1800" dirty="0"/>
-          </a:p>
-          <a:p>
-            <a:endParaRPr lang="de-DE" sz="1800" dirty="0" smtClean="0"/>
-          </a:p>
-          <a:p>
-            <a:endParaRPr lang="de-DE" sz="1800" dirty="0"/>
-          </a:p>
-          <a:p>
-            <a:endParaRPr lang="de-DE" sz="1800" dirty="0" smtClean="0"/>
-          </a:p>
-          <a:p>
-            <a:r>
-              <a:rPr lang="de-DE" sz="1800" dirty="0" smtClean="0"/>
-              <a:t>Fehler in </a:t>
-            </a:r>
-            <a:r>
-              <a:rPr lang="de-DE" sz="1800" dirty="0" smtClean="0"/>
-              <a:t>logger</a:t>
-            </a:r>
-            <a:r>
-              <a:rPr lang="de-DE" sz="1800" dirty="0" smtClean="0"/>
-              <a:t> mit entsprechendem Level</a:t>
-            </a:r>
-          </a:p>
-          <a:p>
-            <a:r>
-              <a:rPr lang="de-DE" sz="1800" dirty="0" smtClean="0"/>
-              <a:t>Möglichst nichts auf stdout -&gt; reserviert für </a:t>
-            </a:r>
-            <a:r>
-              <a:rPr lang="de-DE" sz="1800" dirty="0" smtClean="0"/>
-              <a:t>gui</a:t>
-            </a:r>
-            <a:r>
-              <a:rPr lang="de-DE" sz="1800" dirty="0" smtClean="0"/>
-              <a:t> </a:t>
-            </a:r>
-            <a:r>
-              <a:rPr lang="de-DE" sz="1800" dirty="0" smtClean="0"/>
-              <a:t>infos</a:t>
-            </a:r>
-            <a:endParaRPr lang="de-DE" sz="1800" dirty="0" smtClean="0"/>
+              <a:t>Möglichst nichts auf stdout -&gt; reserviert für gui infos</a:t>
+            </a:r>
           </a:p>
         </p:txBody>
       </p:sp>
@@ -4059,7 +4031,6 @@
               <a:rPr lang="de-DE" dirty="0" smtClean="0"/>
               <a:t>Cmd</a:t>
             </a:r>
-            <a:endParaRPr lang="de-DE" dirty="0" smtClean="0"/>
           </a:p>
         </p:txBody>
       </p:sp>
@@ -4187,11 +4158,7 @@
             <a:pPr algn="ctr"/>
             <a:r>
               <a:rPr lang="de-DE" dirty="0" smtClean="0"/>
-              <a:t>Ausgabe von </a:t>
-            </a:r>
-            <a:r>
-              <a:rPr lang="de-DE" dirty="0" smtClean="0"/>
-              <a:t>logger</a:t>
+              <a:t>Ausgabe von logger</a:t>
             </a:r>
             <a:endParaRPr lang="de-DE" dirty="0"/>
           </a:p>
@@ -4334,23 +4301,7 @@
           <a:p>
             <a:r>
               <a:rPr lang="de-DE" dirty="0" smtClean="0"/>
-              <a:t>Hier darf keine </a:t>
-            </a:r>
-            <a:r>
-              <a:rPr lang="de-DE" dirty="0" smtClean="0"/>
-              <a:t>error</a:t>
-            </a:r>
-            <a:r>
-              <a:rPr lang="de-DE" dirty="0" smtClean="0"/>
-              <a:t> </a:t>
-            </a:r>
-            <a:r>
-              <a:rPr lang="de-DE" dirty="0" smtClean="0"/>
-              <a:t>msg</a:t>
-            </a:r>
-            <a:r>
-              <a:rPr lang="de-DE" dirty="0" smtClean="0"/>
-              <a:t> auf stdout stehen</a:t>
+              <a:t>Hier darf keine error msg auf stdout stehen</a:t>
             </a:r>
             <a:endParaRPr lang="de-DE" dirty="0"/>
           </a:p>
@@ -4504,15 +4455,7 @@
           <a:p>
             <a:r>
               <a:rPr lang="de-DE" dirty="0" smtClean="0"/>
-              <a:t>Hier kann </a:t>
-            </a:r>
-            <a:r>
-              <a:rPr lang="de-DE" dirty="0" smtClean="0"/>
-              <a:t>error</a:t>
-            </a:r>
-            <a:r>
-              <a:rPr lang="de-DE" dirty="0" smtClean="0"/>
-              <a:t> auf stdout stehen</a:t>
+              <a:t>Hier kann error auf stdout stehen</a:t>
             </a:r>
             <a:endParaRPr lang="de-DE" dirty="0"/>
           </a:p>
@@ -4761,19 +4704,7 @@
             <a:pPr algn="ctr"/>
             <a:r>
               <a:rPr lang="de-DE" sz="1400" dirty="0" smtClean="0"/>
-              <a:t>Subprocess</a:t>
-            </a:r>
-            <a:r>
-              <a:rPr lang="de-DE" sz="1400" dirty="0" smtClean="0"/>
-              <a:t> schreibt </a:t>
-            </a:r>
-            <a:r>
-              <a:rPr lang="de-DE" sz="1400" dirty="0" smtClean="0"/>
-              <a:t>error</a:t>
-            </a:r>
-            <a:r>
-              <a:rPr lang="de-DE" sz="1400" dirty="0" smtClean="0"/>
-              <a:t> auf stdout</a:t>
+              <a:t>Subprocess schreibt error auf stdout</a:t>
             </a:r>
             <a:r>
               <a:rPr lang="de-DE" sz="1400" dirty="0"/>
@@ -4904,27 +4835,13 @@
           <a:p>
             <a:r>
               <a:rPr lang="de-DE" sz="1800" dirty="0" smtClean="0"/>
-              <a:t>Warum stehen </a:t>
-            </a:r>
+              <a:t>Warum stehen error messages nicht auf stderr?</a:t>
+            </a:r>
+          </a:p>
+          <a:p>
             <a:r>
               <a:rPr lang="de-DE" sz="1800" dirty="0" smtClean="0"/>
-              <a:t>error</a:t>
-            </a:r>
-            <a:r>
-              <a:rPr lang="de-DE" sz="1800" dirty="0" smtClean="0"/>
-              <a:t> </a:t>
-            </a:r>
-            <a:r>
-              <a:rPr lang="de-DE" sz="1800" dirty="0" smtClean="0"/>
-              <a:t>messages</a:t>
-            </a:r>
-            <a:r>
-              <a:rPr lang="de-DE" sz="1800" dirty="0" smtClean="0"/>
-              <a:t> nicht auf </a:t>
-            </a:r>
-            <a:r>
-              <a:rPr lang="de-DE" sz="1800" dirty="0" smtClean="0"/>
-              <a:t>stderr</a:t>
+              <a:t>Wie vermeiden, dass subprocess auf stdout schreibt, ohne dabei output von ackrep_data zu verlieren</a:t>
             </a:r>
             <a:r>
               <a:rPr lang="de-DE" sz="1800" dirty="0" smtClean="0"/>
@@ -4934,31 +4851,31 @@
           <a:p>
             <a:r>
               <a:rPr lang="de-DE" sz="1800" dirty="0" smtClean="0"/>
-              <a:t>Wie vermeiden, dass </a:t>
+              <a:t>Bei Fehler, was soll in GUI angezeigt/ nicht mehr angezeigt werden (</a:t>
+            </a:r>
+            <a:r>
+              <a:rPr lang="de-DE" sz="1800" dirty="0" err="1" smtClean="0"/>
+              <a:t>output</a:t>
             </a:r>
             <a:r>
               <a:rPr lang="de-DE" sz="1800" dirty="0" smtClean="0"/>
-              <a:t>subprocess</a:t>
+              <a:t>, </a:t>
+            </a:r>
+            <a:r>
+              <a:rPr lang="de-DE" sz="1800" dirty="0" err="1" smtClean="0"/>
+              <a:t>plot</a:t>
             </a:r>
             <a:r>
               <a:rPr lang="de-DE" sz="1800" dirty="0" smtClean="0"/>
-              <a:t> auf stdout schreibt, ohne dabei </a:t>
-            </a:r>
-            <a:r>
-              <a:rPr lang="de-DE" sz="1800" dirty="0" smtClean="0"/>
-              <a:t>output</a:t>
-            </a:r>
-            <a:r>
-              <a:rPr lang="de-DE" sz="1800" dirty="0" smtClean="0"/>
-              <a:t> von </a:t>
-            </a:r>
-            <a:r>
-              <a:rPr lang="de-DE" sz="1800" dirty="0" smtClean="0"/>
-              <a:t>ackrep_data</a:t>
-            </a:r>
-            <a:r>
-              <a:rPr lang="de-DE" sz="1800" dirty="0" smtClean="0"/>
-              <a:t> zu verlieren?</a:t>
+              <a:t>, </a:t>
+            </a:r>
+            <a:r>
+              <a:rPr lang="de-DE" sz="1800" dirty="0" err="1" smtClean="0"/>
+              <a:t>pdf</a:t>
+            </a:r>
+            <a:r>
+              <a:rPr lang="de-DE" sz="1800" smtClean="0"/>
+              <a:t>,…)?</a:t>
             </a:r>
             <a:endParaRPr lang="de-DE" sz="1800" dirty="0"/>
           </a:p>

--- a/doc/devdoc/Anforderungen an Fehleranzeige.pptx
+++ b/doc/devdoc/Anforderungen an Fehleranzeige.pptx
@@ -245,7 +245,7 @@
           <a:p>
             <a:fld id="{DF6398AD-6725-4853-A06D-297D0447FE54}" type="datetimeFigureOut">
               <a:rPr lang="de-DE" smtClean="0"/>
-              <a:t>26.04.2022</a:t>
+              <a:t>27.04.2022</a:t>
             </a:fld>
             <a:endParaRPr lang="de-DE" dirty="0"/>
           </a:p>
@@ -415,7 +415,7 @@
           <a:p>
             <a:fld id="{DF6398AD-6725-4853-A06D-297D0447FE54}" type="datetimeFigureOut">
               <a:rPr lang="de-DE" smtClean="0"/>
-              <a:t>26.04.2022</a:t>
+              <a:t>27.04.2022</a:t>
             </a:fld>
             <a:endParaRPr lang="de-DE" dirty="0"/>
           </a:p>
@@ -595,7 +595,7 @@
           <a:p>
             <a:fld id="{DF6398AD-6725-4853-A06D-297D0447FE54}" type="datetimeFigureOut">
               <a:rPr lang="de-DE" smtClean="0"/>
-              <a:t>26.04.2022</a:t>
+              <a:t>27.04.2022</a:t>
             </a:fld>
             <a:endParaRPr lang="de-DE" dirty="0"/>
           </a:p>
@@ -765,7 +765,7 @@
           <a:p>
             <a:fld id="{DF6398AD-6725-4853-A06D-297D0447FE54}" type="datetimeFigureOut">
               <a:rPr lang="de-DE" smtClean="0"/>
-              <a:t>26.04.2022</a:t>
+              <a:t>27.04.2022</a:t>
             </a:fld>
             <a:endParaRPr lang="de-DE" dirty="0"/>
           </a:p>
@@ -1011,7 +1011,7 @@
           <a:p>
             <a:fld id="{DF6398AD-6725-4853-A06D-297D0447FE54}" type="datetimeFigureOut">
               <a:rPr lang="de-DE" smtClean="0"/>
-              <a:t>26.04.2022</a:t>
+              <a:t>27.04.2022</a:t>
             </a:fld>
             <a:endParaRPr lang="de-DE" dirty="0"/>
           </a:p>
@@ -1243,7 +1243,7 @@
           <a:p>
             <a:fld id="{DF6398AD-6725-4853-A06D-297D0447FE54}" type="datetimeFigureOut">
               <a:rPr lang="de-DE" smtClean="0"/>
-              <a:t>26.04.2022</a:t>
+              <a:t>27.04.2022</a:t>
             </a:fld>
             <a:endParaRPr lang="de-DE" dirty="0"/>
           </a:p>
@@ -1610,7 +1610,7 @@
           <a:p>
             <a:fld id="{DF6398AD-6725-4853-A06D-297D0447FE54}" type="datetimeFigureOut">
               <a:rPr lang="de-DE" smtClean="0"/>
-              <a:t>26.04.2022</a:t>
+              <a:t>27.04.2022</a:t>
             </a:fld>
             <a:endParaRPr lang="de-DE" dirty="0"/>
           </a:p>
@@ -1728,7 +1728,7 @@
           <a:p>
             <a:fld id="{DF6398AD-6725-4853-A06D-297D0447FE54}" type="datetimeFigureOut">
               <a:rPr lang="de-DE" smtClean="0"/>
-              <a:t>26.04.2022</a:t>
+              <a:t>27.04.2022</a:t>
             </a:fld>
             <a:endParaRPr lang="de-DE" dirty="0"/>
           </a:p>
@@ -1823,7 +1823,7 @@
           <a:p>
             <a:fld id="{DF6398AD-6725-4853-A06D-297D0447FE54}" type="datetimeFigureOut">
               <a:rPr lang="de-DE" smtClean="0"/>
-              <a:t>26.04.2022</a:t>
+              <a:t>27.04.2022</a:t>
             </a:fld>
             <a:endParaRPr lang="de-DE" dirty="0"/>
           </a:p>
@@ -2100,7 +2100,7 @@
           <a:p>
             <a:fld id="{DF6398AD-6725-4853-A06D-297D0447FE54}" type="datetimeFigureOut">
               <a:rPr lang="de-DE" smtClean="0"/>
-              <a:t>26.04.2022</a:t>
+              <a:t>27.04.2022</a:t>
             </a:fld>
             <a:endParaRPr lang="de-DE" dirty="0"/>
           </a:p>
@@ -2353,7 +2353,7 @@
           <a:p>
             <a:fld id="{DF6398AD-6725-4853-A06D-297D0447FE54}" type="datetimeFigureOut">
               <a:rPr lang="de-DE" smtClean="0"/>
-              <a:t>26.04.2022</a:t>
+              <a:t>27.04.2022</a:t>
             </a:fld>
             <a:endParaRPr lang="de-DE" dirty="0"/>
           </a:p>
@@ -2566,7 +2566,7 @@
           <a:p>
             <a:fld id="{DF6398AD-6725-4853-A06D-297D0447FE54}" type="datetimeFigureOut">
               <a:rPr lang="de-DE" smtClean="0"/>
-              <a:t>26.04.2022</a:t>
+              <a:t>27.04.2022</a:t>
             </a:fld>
             <a:endParaRPr lang="de-DE" dirty="0"/>
           </a:p>
@@ -3038,6 +3038,15 @@
             <a:endParaRPr lang="de-DE" sz="1800" dirty="0" smtClean="0"/>
           </a:p>
           <a:p>
+            <a:endParaRPr lang="de-DE" sz="1800" dirty="0"/>
+          </a:p>
+          <a:p>
+            <a:endParaRPr lang="de-DE" sz="1800" dirty="0" smtClean="0"/>
+          </a:p>
+          <a:p>
+            <a:endParaRPr lang="de-DE" sz="1800" dirty="0" smtClean="0"/>
+          </a:p>
+          <a:p>
             <a:r>
               <a:rPr lang="de-DE" sz="1800" dirty="0" smtClean="0"/>
               <a:t>Fehler in logger mit entsprechendem Level</a:t>
@@ -3060,14 +3069,14 @@
           <p:nvPr>
             <p:extLst>
               <p:ext uri="{D42A27DB-BD31-4B8C-83A1-F6EECF244321}">
-                <p14:modId xmlns:p14="http://schemas.microsoft.com/office/powerpoint/2010/main" val="1091089043"/>
+                <p14:modId xmlns:p14="http://schemas.microsoft.com/office/powerpoint/2010/main" val="3830046742"/>
               </p:ext>
             </p:extLst>
           </p:nvPr>
         </p:nvGraphicFramePr>
         <p:xfrm>
           <a:off x="838200" y="2639392"/>
-          <a:ext cx="8127999" cy="1112520"/>
+          <a:ext cx="8128001" cy="1742440"/>
         </p:xfrm>
         <a:graphic>
           <a:graphicData uri="http://schemas.openxmlformats.org/drawingml/2006/table">
@@ -3083,22 +3092,36 @@
                     </a:ext>
                   </a:extLst>
                 </a:gridCol>
-                <a:gridCol w="2709333">
+                <a:gridCol w="1354667">
                   <a:extLst>
                     <a:ext uri="{9D8B030D-6E8A-4147-A177-3AD203B41FA5}">
                       <a16:colId xmlns:a16="http://schemas.microsoft.com/office/drawing/2014/main" val="4239129075"/>
                     </a:ext>
                   </a:extLst>
                 </a:gridCol>
-                <a:gridCol w="2709333">
+                <a:gridCol w="1354667">
+                  <a:extLst>
+                    <a:ext uri="{9D8B030D-6E8A-4147-A177-3AD203B41FA5}">
+                      <a16:colId xmlns:a16="http://schemas.microsoft.com/office/drawing/2014/main" val="2574193871"/>
+                    </a:ext>
+                  </a:extLst>
+                </a:gridCol>
+                <a:gridCol w="1354667">
                   <a:extLst>
                     <a:ext uri="{9D8B030D-6E8A-4147-A177-3AD203B41FA5}">
                       <a16:colId xmlns:a16="http://schemas.microsoft.com/office/drawing/2014/main" val="2092785882"/>
                     </a:ext>
                   </a:extLst>
                 </a:gridCol>
+                <a:gridCol w="1354667">
+                  <a:extLst>
+                    <a:ext uri="{9D8B030D-6E8A-4147-A177-3AD203B41FA5}">
+                      <a16:colId xmlns:a16="http://schemas.microsoft.com/office/drawing/2014/main" val="1203279659"/>
+                    </a:ext>
+                  </a:extLst>
+                </a:gridCol>
               </a:tblGrid>
-              <a:tr h="370840">
+              <a:tr h="185420">
                 <a:tc>
                   <a:txBody>
                     <a:bodyPr/>
@@ -3146,7 +3169,7 @@
                     </a:lnB>
                   </a:tcPr>
                 </a:tc>
-                <a:tc>
+                <a:tc gridSpan="2">
                   <a:txBody>
                     <a:bodyPr/>
                     <a:lstStyle/>
@@ -3197,7 +3220,17 @@
                     </a:lnB>
                   </a:tcPr>
                 </a:tc>
-                <a:tc>
+                <a:tc hMerge="1">
+                  <a:txBody>
+                    <a:bodyPr/>
+                    <a:lstStyle/>
+                    <a:p>
+                      <a:endParaRPr lang="de-DE"/>
+                    </a:p>
+                  </a:txBody>
+                  <a:tcPr/>
+                </a:tc>
+                <a:tc gridSpan="2">
                   <a:txBody>
                     <a:bodyPr/>
                     <a:lstStyle/>
@@ -3252,9 +3285,281 @@
                     </a:lnB>
                   </a:tcPr>
                 </a:tc>
+                <a:tc hMerge="1">
+                  <a:txBody>
+                    <a:bodyPr/>
+                    <a:lstStyle/>
+                    <a:p>
+                      <a:endParaRPr lang="de-DE"/>
+                    </a:p>
+                  </a:txBody>
+                  <a:tcPr/>
+                </a:tc>
                 <a:extLst>
                   <a:ext uri="{0D108BD9-81ED-4DB2-BD59-A6C34878D82A}">
                     <a16:rowId xmlns:a16="http://schemas.microsoft.com/office/drawing/2014/main" val="206351923"/>
+                  </a:ext>
+                </a:extLst>
+              </a:tr>
+              <a:tr h="185420">
+                <a:tc>
+                  <a:txBody>
+                    <a:bodyPr/>
+                    <a:lstStyle/>
+                    <a:p>
+                      <a:r>
+                        <a:rPr lang="de-DE" dirty="0" smtClean="0"/>
+                        <a:t>Fehler</a:t>
+                      </a:r>
+                      <a:endParaRPr lang="de-DE" dirty="0"/>
+                    </a:p>
+                  </a:txBody>
+                  <a:tcPr>
+                    <a:lnL w="12700" cap="flat" cmpd="sng" algn="ctr">
+                      <a:solidFill>
+                        <a:schemeClr val="tx1"/>
+                      </a:solidFill>
+                      <a:prstDash val="solid"/>
+                      <a:round/>
+                      <a:headEnd type="none" w="med" len="med"/>
+                      <a:tailEnd type="none" w="med" len="med"/>
+                    </a:lnL>
+                    <a:lnR w="12700" cap="flat" cmpd="sng" algn="ctr">
+                      <a:solidFill>
+                        <a:schemeClr val="tx1"/>
+                      </a:solidFill>
+                      <a:prstDash val="solid"/>
+                      <a:round/>
+                      <a:headEnd type="none" w="med" len="med"/>
+                      <a:tailEnd type="none" w="med" len="med"/>
+                    </a:lnR>
+                    <a:lnT w="12700" cap="flat" cmpd="sng" algn="ctr">
+                      <a:solidFill>
+                        <a:schemeClr val="tx1"/>
+                      </a:solidFill>
+                      <a:prstDash val="solid"/>
+                      <a:round/>
+                      <a:headEnd type="none" w="med" len="med"/>
+                      <a:tailEnd type="none" w="med" len="med"/>
+                    </a:lnT>
+                    <a:lnB w="12700" cap="flat" cmpd="sng" algn="ctr">
+                      <a:solidFill>
+                        <a:schemeClr val="tx1"/>
+                      </a:solidFill>
+                      <a:prstDash val="solid"/>
+                      <a:round/>
+                      <a:headEnd type="none" w="med" len="med"/>
+                      <a:tailEnd type="none" w="med" len="med"/>
+                    </a:lnB>
+                  </a:tcPr>
+                </a:tc>
+                <a:tc>
+                  <a:txBody>
+                    <a:bodyPr/>
+                    <a:lstStyle/>
+                    <a:p>
+                      <a:r>
+                        <a:rPr lang="de-DE" dirty="0" smtClean="0"/>
+                        <a:t>ja</a:t>
+                      </a:r>
+                      <a:endParaRPr lang="de-DE" dirty="0"/>
+                    </a:p>
+                  </a:txBody>
+                  <a:tcPr>
+                    <a:lnL w="12700" cap="flat" cmpd="sng" algn="ctr">
+                      <a:solidFill>
+                        <a:schemeClr val="tx1"/>
+                      </a:solidFill>
+                      <a:prstDash val="solid"/>
+                      <a:round/>
+                      <a:headEnd type="none" w="med" len="med"/>
+                      <a:tailEnd type="none" w="med" len="med"/>
+                    </a:lnL>
+                    <a:lnR w="12700" cap="flat" cmpd="sng" algn="ctr">
+                      <a:solidFill>
+                        <a:schemeClr val="tx1"/>
+                      </a:solidFill>
+                      <a:prstDash val="solid"/>
+                      <a:round/>
+                      <a:headEnd type="none" w="med" len="med"/>
+                      <a:tailEnd type="none" w="med" len="med"/>
+                    </a:lnR>
+                    <a:lnT w="12700" cap="flat" cmpd="sng" algn="ctr">
+                      <a:solidFill>
+                        <a:schemeClr val="tx1"/>
+                      </a:solidFill>
+                      <a:prstDash val="solid"/>
+                      <a:round/>
+                      <a:headEnd type="none" w="med" len="med"/>
+                      <a:tailEnd type="none" w="med" len="med"/>
+                    </a:lnT>
+                    <a:lnB w="12700" cap="flat" cmpd="sng" algn="ctr">
+                      <a:solidFill>
+                        <a:schemeClr val="tx1"/>
+                      </a:solidFill>
+                      <a:prstDash val="solid"/>
+                      <a:round/>
+                      <a:headEnd type="none" w="med" len="med"/>
+                      <a:tailEnd type="none" w="med" len="med"/>
+                    </a:lnB>
+                  </a:tcPr>
+                </a:tc>
+                <a:tc>
+                  <a:txBody>
+                    <a:bodyPr/>
+                    <a:lstStyle/>
+                    <a:p>
+                      <a:r>
+                        <a:rPr lang="de-DE" dirty="0" smtClean="0"/>
+                        <a:t>nein</a:t>
+                      </a:r>
+                      <a:endParaRPr lang="de-DE" dirty="0"/>
+                    </a:p>
+                  </a:txBody>
+                  <a:tcPr>
+                    <a:lnL w="12700" cap="flat" cmpd="sng" algn="ctr">
+                      <a:solidFill>
+                        <a:schemeClr val="tx1"/>
+                      </a:solidFill>
+                      <a:prstDash val="solid"/>
+                      <a:round/>
+                      <a:headEnd type="none" w="med" len="med"/>
+                      <a:tailEnd type="none" w="med" len="med"/>
+                    </a:lnL>
+                    <a:lnR w="12700" cap="flat" cmpd="sng" algn="ctr">
+                      <a:solidFill>
+                        <a:schemeClr val="tx1"/>
+                      </a:solidFill>
+                      <a:prstDash val="solid"/>
+                      <a:round/>
+                      <a:headEnd type="none" w="med" len="med"/>
+                      <a:tailEnd type="none" w="med" len="med"/>
+                    </a:lnR>
+                    <a:lnT w="12700" cap="flat" cmpd="sng" algn="ctr">
+                      <a:solidFill>
+                        <a:schemeClr val="tx1"/>
+                      </a:solidFill>
+                      <a:prstDash val="solid"/>
+                      <a:round/>
+                      <a:headEnd type="none" w="med" len="med"/>
+                      <a:tailEnd type="none" w="med" len="med"/>
+                    </a:lnT>
+                    <a:lnB w="12700" cap="flat" cmpd="sng" algn="ctr">
+                      <a:solidFill>
+                        <a:schemeClr val="tx1"/>
+                      </a:solidFill>
+                      <a:prstDash val="solid"/>
+                      <a:round/>
+                      <a:headEnd type="none" w="med" len="med"/>
+                      <a:tailEnd type="none" w="med" len="med"/>
+                    </a:lnB>
+                  </a:tcPr>
+                </a:tc>
+                <a:tc>
+                  <a:txBody>
+                    <a:bodyPr/>
+                    <a:lstStyle/>
+                    <a:p>
+                      <a:r>
+                        <a:rPr lang="de-DE" dirty="0" smtClean="0"/>
+                        <a:t>ja</a:t>
+                      </a:r>
+                      <a:endParaRPr lang="de-DE" dirty="0"/>
+                    </a:p>
+                  </a:txBody>
+                  <a:tcPr>
+                    <a:lnL w="12700" cap="flat" cmpd="sng" algn="ctr">
+                      <a:solidFill>
+                        <a:schemeClr val="tx1"/>
+                      </a:solidFill>
+                      <a:prstDash val="solid"/>
+                      <a:round/>
+                      <a:headEnd type="none" w="med" len="med"/>
+                      <a:tailEnd type="none" w="med" len="med"/>
+                    </a:lnL>
+                    <a:lnR w="12700" cap="flat" cmpd="sng" algn="ctr">
+                      <a:solidFill>
+                        <a:schemeClr val="tx1"/>
+                      </a:solidFill>
+                      <a:prstDash val="solid"/>
+                      <a:round/>
+                      <a:headEnd type="none" w="med" len="med"/>
+                      <a:tailEnd type="none" w="med" len="med"/>
+                    </a:lnR>
+                    <a:lnT w="12700" cap="flat" cmpd="sng" algn="ctr">
+                      <a:solidFill>
+                        <a:schemeClr val="tx1"/>
+                      </a:solidFill>
+                      <a:prstDash val="solid"/>
+                      <a:round/>
+                      <a:headEnd type="none" w="med" len="med"/>
+                      <a:tailEnd type="none" w="med" len="med"/>
+                    </a:lnT>
+                    <a:lnB w="12700" cap="flat" cmpd="sng" algn="ctr">
+                      <a:solidFill>
+                        <a:schemeClr val="tx1"/>
+                      </a:solidFill>
+                      <a:prstDash val="solid"/>
+                      <a:round/>
+                      <a:headEnd type="none" w="med" len="med"/>
+                      <a:tailEnd type="none" w="med" len="med"/>
+                    </a:lnB>
+                  </a:tcPr>
+                </a:tc>
+                <a:tc>
+                  <a:txBody>
+                    <a:bodyPr/>
+                    <a:lstStyle/>
+                    <a:p>
+                      <a:r>
+                        <a:rPr lang="de-DE" dirty="0" smtClean="0"/>
+                        <a:t>nein</a:t>
+                      </a:r>
+                      <a:endParaRPr lang="de-DE" dirty="0"/>
+                    </a:p>
+                  </a:txBody>
+                  <a:tcPr>
+                    <a:lnL w="12700" cap="flat" cmpd="sng" algn="ctr">
+                      <a:solidFill>
+                        <a:schemeClr val="tx1"/>
+                      </a:solidFill>
+                      <a:prstDash val="solid"/>
+                      <a:round/>
+                      <a:headEnd type="none" w="med" len="med"/>
+                      <a:tailEnd type="none" w="med" len="med"/>
+                    </a:lnL>
+                    <a:lnR w="12700" cap="flat" cmpd="sng" algn="ctr">
+                      <a:solidFill>
+                        <a:schemeClr val="tx1"/>
+                      </a:solidFill>
+                      <a:prstDash val="solid"/>
+                      <a:round/>
+                      <a:headEnd type="none" w="med" len="med"/>
+                      <a:tailEnd type="none" w="med" len="med"/>
+                    </a:lnR>
+                    <a:lnT w="12700" cap="flat" cmpd="sng" algn="ctr">
+                      <a:solidFill>
+                        <a:schemeClr val="tx1"/>
+                      </a:solidFill>
+                      <a:prstDash val="solid"/>
+                      <a:round/>
+                      <a:headEnd type="none" w="med" len="med"/>
+                      <a:tailEnd type="none" w="med" len="med"/>
+                    </a:lnT>
+                    <a:lnB w="12700" cap="flat" cmpd="sng" algn="ctr">
+                      <a:solidFill>
+                        <a:schemeClr val="tx1"/>
+                      </a:solidFill>
+                      <a:prstDash val="solid"/>
+                      <a:round/>
+                      <a:headEnd type="none" w="med" len="med"/>
+                      <a:tailEnd type="none" w="med" len="med"/>
+                    </a:lnB>
+                  </a:tcPr>
+                </a:tc>
+                <a:extLst>
+                  <a:ext uri="{0D108BD9-81ED-4DB2-BD59-A6C34878D82A}">
+                    <a16:rowId xmlns:a16="http://schemas.microsoft.com/office/drawing/2014/main" val="1851799325"/>
                   </a:ext>
                 </a:extLst>
               </a:tr>
@@ -3319,8 +3624,8 @@
                     <a:lstStyle/>
                     <a:p>
                       <a:r>
-                        <a:rPr lang="de-DE" dirty="0" smtClean="0"/>
-                        <a:t>Alles ?</a:t>
+                        <a:rPr lang="de-DE" dirty="0" err="1" smtClean="0"/>
+                        <a:t>Debug</a:t>
                       </a:r>
                       <a:endParaRPr lang="de-DE" dirty="0"/>
                     </a:p>
@@ -3363,7 +3668,61 @@
                       <a:tailEnd type="none" w="med" len="med"/>
                     </a:lnB>
                     <a:solidFill>
-                      <a:srgbClr val="FFC000"/>
+                      <a:schemeClr val="bg1"/>
+                    </a:solidFill>
+                  </a:tcPr>
+                </a:tc>
+                <a:tc>
+                  <a:txBody>
+                    <a:bodyPr/>
+                    <a:lstStyle/>
+                    <a:p>
+                      <a:r>
+                        <a:rPr lang="de-DE" dirty="0" err="1" smtClean="0"/>
+                        <a:t>output</a:t>
+                      </a:r>
+                      <a:endParaRPr lang="de-DE" dirty="0"/>
+                    </a:p>
+                  </a:txBody>
+                  <a:tcPr>
+                    <a:lnL w="12700" cap="flat" cmpd="sng" algn="ctr">
+                      <a:solidFill>
+                        <a:schemeClr val="tx1"/>
+                      </a:solidFill>
+                      <a:prstDash val="solid"/>
+                      <a:round/>
+                      <a:headEnd type="none" w="med" len="med"/>
+                      <a:tailEnd type="none" w="med" len="med"/>
+                    </a:lnL>
+                    <a:lnR w="12700" cap="flat" cmpd="sng" algn="ctr">
+                      <a:solidFill>
+                        <a:schemeClr val="tx1"/>
+                      </a:solidFill>
+                      <a:prstDash val="solid"/>
+                      <a:round/>
+                      <a:headEnd type="none" w="med" len="med"/>
+                      <a:tailEnd type="none" w="med" len="med"/>
+                    </a:lnR>
+                    <a:lnT w="12700" cap="flat" cmpd="sng" algn="ctr">
+                      <a:solidFill>
+                        <a:schemeClr val="tx1"/>
+                      </a:solidFill>
+                      <a:prstDash val="solid"/>
+                      <a:round/>
+                      <a:headEnd type="none" w="med" len="med"/>
+                      <a:tailEnd type="none" w="med" len="med"/>
+                    </a:lnT>
+                    <a:lnB w="12700" cap="flat" cmpd="sng" algn="ctr">
+                      <a:solidFill>
+                        <a:schemeClr val="tx1"/>
+                      </a:solidFill>
+                      <a:prstDash val="solid"/>
+                      <a:round/>
+                      <a:headEnd type="none" w="med" len="med"/>
+                      <a:tailEnd type="none" w="med" len="med"/>
+                    </a:lnB>
+                    <a:solidFill>
+                      <a:schemeClr val="bg1"/>
                     </a:solidFill>
                   </a:tcPr>
                 </a:tc>
@@ -3415,6 +3774,63 @@
                       <a:headEnd type="none" w="med" len="med"/>
                       <a:tailEnd type="none" w="med" len="med"/>
                     </a:lnB>
+                    <a:solidFill>
+                      <a:schemeClr val="bg1"/>
+                    </a:solidFill>
+                  </a:tcPr>
+                </a:tc>
+                <a:tc>
+                  <a:txBody>
+                    <a:bodyPr/>
+                    <a:lstStyle/>
+                    <a:p>
+                      <a:r>
+                        <a:rPr lang="de-DE" dirty="0" err="1" smtClean="0"/>
+                        <a:t>output</a:t>
+                      </a:r>
+                      <a:endParaRPr lang="de-DE" dirty="0" smtClean="0"/>
+                    </a:p>
+                  </a:txBody>
+                  <a:tcPr>
+                    <a:lnL w="12700" cap="flat" cmpd="sng" algn="ctr">
+                      <a:solidFill>
+                        <a:schemeClr val="tx1"/>
+                      </a:solidFill>
+                      <a:prstDash val="solid"/>
+                      <a:round/>
+                      <a:headEnd type="none" w="med" len="med"/>
+                      <a:tailEnd type="none" w="med" len="med"/>
+                    </a:lnL>
+                    <a:lnR w="12700" cap="flat" cmpd="sng" algn="ctr">
+                      <a:solidFill>
+                        <a:schemeClr val="tx1"/>
+                      </a:solidFill>
+                      <a:prstDash val="solid"/>
+                      <a:round/>
+                      <a:headEnd type="none" w="med" len="med"/>
+                      <a:tailEnd type="none" w="med" len="med"/>
+                    </a:lnR>
+                    <a:lnT w="12700" cap="flat" cmpd="sng" algn="ctr">
+                      <a:solidFill>
+                        <a:schemeClr val="tx1"/>
+                      </a:solidFill>
+                      <a:prstDash val="solid"/>
+                      <a:round/>
+                      <a:headEnd type="none" w="med" len="med"/>
+                      <a:tailEnd type="none" w="med" len="med"/>
+                    </a:lnT>
+                    <a:lnB w="12700" cap="flat" cmpd="sng" algn="ctr">
+                      <a:solidFill>
+                        <a:schemeClr val="tx1"/>
+                      </a:solidFill>
+                      <a:prstDash val="solid"/>
+                      <a:round/>
+                      <a:headEnd type="none" w="med" len="med"/>
+                      <a:tailEnd type="none" w="med" len="med"/>
+                    </a:lnB>
+                    <a:solidFill>
+                      <a:schemeClr val="bg1"/>
+                    </a:solidFill>
                   </a:tcPr>
                 </a:tc>
                 <a:extLst>
@@ -3482,7 +3898,11 @@
                     <a:p>
                       <a:r>
                         <a:rPr lang="de-DE" dirty="0" smtClean="0"/>
-                        <a:t>Alles !</a:t>
+                        <a:t>Logger, </a:t>
+                      </a:r>
+                      <a:r>
+                        <a:rPr lang="de-DE" dirty="0" err="1" smtClean="0"/>
+                        <a:t>stdout</a:t>
                       </a:r>
                       <a:endParaRPr lang="de-DE" dirty="0"/>
                     </a:p>
@@ -3524,6 +3944,84 @@
                       <a:headEnd type="none" w="med" len="med"/>
                       <a:tailEnd type="none" w="med" len="med"/>
                     </a:lnB>
+                    <a:solidFill>
+                      <a:schemeClr val="bg1"/>
+                    </a:solidFill>
+                  </a:tcPr>
+                </a:tc>
+                <a:tc>
+                  <a:txBody>
+                    <a:bodyPr/>
+                    <a:lstStyle/>
+                    <a:p>
+                      <a:pPr marL="0" marR="0" indent="0" algn="l" defTabSz="914400" rtl="0" eaLnBrk="1" fontAlgn="auto" latinLnBrk="0" hangingPunct="1">
+                        <a:lnSpc>
+                          <a:spcPct val="100000"/>
+                        </a:lnSpc>
+                        <a:spcBef>
+                          <a:spcPts val="0"/>
+                        </a:spcBef>
+                        <a:spcAft>
+                          <a:spcPts val="0"/>
+                        </a:spcAft>
+                        <a:buClrTx/>
+                        <a:buSzTx/>
+                        <a:buFontTx/>
+                        <a:buNone/>
+                        <a:tabLst/>
+                        <a:defRPr/>
+                      </a:pPr>
+                      <a:r>
+                        <a:rPr lang="de-DE" dirty="0" smtClean="0"/>
+                        <a:t>Logger, </a:t>
+                      </a:r>
+                      <a:r>
+                        <a:rPr lang="de-DE" dirty="0" err="1" smtClean="0"/>
+                        <a:t>stdout</a:t>
+                      </a:r>
+                      <a:endParaRPr lang="de-DE" dirty="0" smtClean="0"/>
+                    </a:p>
+                  </a:txBody>
+                  <a:tcPr>
+                    <a:lnL w="12700" cap="flat" cmpd="sng" algn="ctr">
+                      <a:solidFill>
+                        <a:schemeClr val="tx1"/>
+                      </a:solidFill>
+                      <a:prstDash val="solid"/>
+                      <a:round/>
+                      <a:headEnd type="none" w="med" len="med"/>
+                      <a:tailEnd type="none" w="med" len="med"/>
+                    </a:lnL>
+                    <a:lnR w="12700" cap="flat" cmpd="sng" algn="ctr">
+                      <a:solidFill>
+                        <a:schemeClr val="tx1"/>
+                      </a:solidFill>
+                      <a:prstDash val="solid"/>
+                      <a:round/>
+                      <a:headEnd type="none" w="med" len="med"/>
+                      <a:tailEnd type="none" w="med" len="med"/>
+                    </a:lnR>
+                    <a:lnT w="12700" cap="flat" cmpd="sng" algn="ctr">
+                      <a:solidFill>
+                        <a:schemeClr val="tx1"/>
+                      </a:solidFill>
+                      <a:prstDash val="solid"/>
+                      <a:round/>
+                      <a:headEnd type="none" w="med" len="med"/>
+                      <a:tailEnd type="none" w="med" len="med"/>
+                    </a:lnT>
+                    <a:lnB w="12700" cap="flat" cmpd="sng" algn="ctr">
+                      <a:solidFill>
+                        <a:schemeClr val="tx1"/>
+                      </a:solidFill>
+                      <a:prstDash val="solid"/>
+                      <a:round/>
+                      <a:headEnd type="none" w="med" len="med"/>
+                      <a:tailEnd type="none" w="med" len="med"/>
+                    </a:lnB>
+                    <a:solidFill>
+                      <a:schemeClr val="bg1"/>
+                    </a:solidFill>
                   </a:tcPr>
                 </a:tc>
                 <a:tc>
@@ -3533,7 +4031,11 @@
                     <a:p>
                       <a:r>
                         <a:rPr lang="de-DE" dirty="0" smtClean="0"/>
-                        <a:t>Alles ?</a:t>
+                        <a:t>Logger, </a:t>
+                      </a:r>
+                      <a:r>
+                        <a:rPr lang="de-DE" dirty="0" err="1" smtClean="0"/>
+                        <a:t>stdout</a:t>
                       </a:r>
                       <a:endParaRPr lang="de-DE" dirty="0"/>
                     </a:p>
@@ -3576,7 +4078,82 @@
                       <a:tailEnd type="none" w="med" len="med"/>
                     </a:lnB>
                     <a:solidFill>
-                      <a:srgbClr val="FFC000"/>
+                      <a:schemeClr val="bg1"/>
+                    </a:solidFill>
+                  </a:tcPr>
+                </a:tc>
+                <a:tc>
+                  <a:txBody>
+                    <a:bodyPr/>
+                    <a:lstStyle/>
+                    <a:p>
+                      <a:pPr marL="0" marR="0" indent="0" algn="l" defTabSz="914400" rtl="0" eaLnBrk="1" fontAlgn="auto" latinLnBrk="0" hangingPunct="1">
+                        <a:lnSpc>
+                          <a:spcPct val="100000"/>
+                        </a:lnSpc>
+                        <a:spcBef>
+                          <a:spcPts val="0"/>
+                        </a:spcBef>
+                        <a:spcAft>
+                          <a:spcPts val="0"/>
+                        </a:spcAft>
+                        <a:buClrTx/>
+                        <a:buSzTx/>
+                        <a:buFontTx/>
+                        <a:buNone/>
+                        <a:tabLst/>
+                        <a:defRPr/>
+                      </a:pPr>
+                      <a:r>
+                        <a:rPr lang="de-DE" dirty="0" smtClean="0"/>
+                        <a:t>Logger, </a:t>
+                      </a:r>
+                      <a:r>
+                        <a:rPr lang="de-DE" dirty="0" err="1" smtClean="0"/>
+                        <a:t>stdout</a:t>
+                      </a:r>
+                      <a:endParaRPr lang="de-DE" dirty="0" smtClean="0"/>
+                    </a:p>
+                  </a:txBody>
+                  <a:tcPr>
+                    <a:lnL w="12700" cap="flat" cmpd="sng" algn="ctr">
+                      <a:solidFill>
+                        <a:schemeClr val="tx1"/>
+                      </a:solidFill>
+                      <a:prstDash val="solid"/>
+                      <a:round/>
+                      <a:headEnd type="none" w="med" len="med"/>
+                      <a:tailEnd type="none" w="med" len="med"/>
+                    </a:lnL>
+                    <a:lnR w="12700" cap="flat" cmpd="sng" algn="ctr">
+                      <a:solidFill>
+                        <a:schemeClr val="tx1"/>
+                      </a:solidFill>
+                      <a:prstDash val="solid"/>
+                      <a:round/>
+                      <a:headEnd type="none" w="med" len="med"/>
+                      <a:tailEnd type="none" w="med" len="med"/>
+                    </a:lnR>
+                    <a:lnT w="12700" cap="flat" cmpd="sng" algn="ctr">
+                      <a:solidFill>
+                        <a:schemeClr val="tx1"/>
+                      </a:solidFill>
+                      <a:prstDash val="solid"/>
+                      <a:round/>
+                      <a:headEnd type="none" w="med" len="med"/>
+                      <a:tailEnd type="none" w="med" len="med"/>
+                    </a:lnT>
+                    <a:lnB w="12700" cap="flat" cmpd="sng" algn="ctr">
+                      <a:solidFill>
+                        <a:schemeClr val="tx1"/>
+                      </a:solidFill>
+                      <a:prstDash val="solid"/>
+                      <a:round/>
+                      <a:headEnd type="none" w="med" len="med"/>
+                      <a:tailEnd type="none" w="med" len="med"/>
+                    </a:lnB>
+                    <a:solidFill>
+                      <a:schemeClr val="bg1"/>
                     </a:solidFill>
                   </a:tcPr>
                 </a:tc>
@@ -4286,7 +4863,7 @@
         <p:spPr>
           <a:xfrm>
             <a:off x="161018" y="1278666"/>
-            <a:ext cx="4233338" cy="369332"/>
+            <a:ext cx="4233338" cy="646331"/>
           </a:xfrm>
           <a:prstGeom prst="rect">
             <a:avLst/>
@@ -4301,7 +4878,50 @@
           <a:p>
             <a:r>
               <a:rPr lang="de-DE" dirty="0" smtClean="0"/>
-              <a:t>Hier darf keine error msg auf stdout stehen</a:t>
+              <a:t>Hier darf keine error msg auf </a:t>
+            </a:r>
+            <a:r>
+              <a:rPr lang="de-DE" dirty="0" err="1" smtClean="0"/>
+              <a:t>stdout</a:t>
+            </a:r>
+            <a:r>
+              <a:rPr lang="de-DE" dirty="0" smtClean="0"/>
+              <a:t> </a:t>
+            </a:r>
+            <a:r>
+              <a:rPr lang="de-DE" dirty="0" smtClean="0"/>
+              <a:t>stehen</a:t>
+            </a:r>
+            <a:br>
+              <a:rPr lang="de-DE" dirty="0" smtClean="0"/>
+            </a:br>
+            <a:r>
+              <a:rPr lang="de-DE" dirty="0" smtClean="0"/>
+              <a:t>(</a:t>
+            </a:r>
+            <a:r>
+              <a:rPr lang="de-DE" dirty="0" err="1" smtClean="0"/>
+              <a:t>z.b.</a:t>
+            </a:r>
+            <a:r>
+              <a:rPr lang="de-DE" dirty="0" smtClean="0"/>
+              <a:t> </a:t>
+            </a:r>
+            <a:r>
+              <a:rPr lang="de-DE" dirty="0" err="1" smtClean="0"/>
+              <a:t>owlready</a:t>
+            </a:r>
+            <a:r>
+              <a:rPr lang="de-DE" dirty="0" smtClean="0"/>
+              <a:t> </a:t>
+            </a:r>
+            <a:r>
+              <a:rPr lang="de-DE" dirty="0" err="1" smtClean="0"/>
+              <a:t>warning</a:t>
+            </a:r>
+            <a:r>
+              <a:rPr lang="de-DE" dirty="0" smtClean="0"/>
+              <a:t>)</a:t>
             </a:r>
             <a:endParaRPr lang="de-DE" dirty="0"/>
           </a:p>
@@ -4841,11 +5461,7 @@
           <a:p>
             <a:r>
               <a:rPr lang="de-DE" sz="1800" dirty="0" smtClean="0"/>
-              <a:t>Wie vermeiden, dass subprocess auf stdout schreibt, ohne dabei output von ackrep_data zu verlieren</a:t>
-            </a:r>
-            <a:r>
-              <a:rPr lang="de-DE" sz="1800" dirty="0" smtClean="0"/>
-              <a:t>?</a:t>
+              <a:t>Wie vermeiden, dass subprocess auf stdout schreibt, ohne dabei output von ackrep_data zu verlieren?</a:t>
             </a:r>
           </a:p>
           <a:p>

--- a/doc/devdoc/Anforderungen an Fehleranzeige.pptx
+++ b/doc/devdoc/Anforderungen an Fehleranzeige.pptx
@@ -156,10 +156,9 @@
           </a:lstStyle>
           <a:p>
             <a:r>
-              <a:rPr lang="de-DE" smtClean="0"/>
+              <a:rPr lang="de-DE"/>
               <a:t>Titelmasterformat durch Klicken bearbeiten</a:t>
             </a:r>
-            <a:endParaRPr lang="de-DE"/>
           </a:p>
         </p:txBody>
       </p:sp>
@@ -221,10 +220,9 @@
           </a:lstStyle>
           <a:p>
             <a:r>
-              <a:rPr lang="de-DE" smtClean="0"/>
+              <a:rPr lang="de-DE"/>
               <a:t>Formatvorlage des Untertitelmasters durch Klicken bearbeiten</a:t>
             </a:r>
-            <a:endParaRPr lang="de-DE"/>
           </a:p>
         </p:txBody>
       </p:sp>
@@ -245,7 +243,7 @@
           <a:p>
             <a:fld id="{DF6398AD-6725-4853-A06D-297D0447FE54}" type="datetimeFigureOut">
               <a:rPr lang="de-DE" smtClean="0"/>
-              <a:t>27.04.2022</a:t>
+              <a:t>29.04.2022</a:t>
             </a:fld>
             <a:endParaRPr lang="de-DE" dirty="0"/>
           </a:p>
@@ -339,10 +337,9 @@
           <a:lstStyle/>
           <a:p>
             <a:r>
-              <a:rPr lang="de-DE" smtClean="0"/>
+              <a:rPr lang="de-DE"/>
               <a:t>Titelmasterformat durch Klicken bearbeiten</a:t>
             </a:r>
-            <a:endParaRPr lang="de-DE"/>
           </a:p>
         </p:txBody>
       </p:sp>
@@ -363,38 +360,37 @@
           <a:p>
             <a:pPr lvl="0"/>
             <a:r>
-              <a:rPr lang="de-DE" smtClean="0"/>
+              <a:rPr lang="de-DE"/>
               <a:t>Formatvorlagen des Textmasters bearbeiten</a:t>
             </a:r>
           </a:p>
           <a:p>
             <a:pPr lvl="1"/>
             <a:r>
-              <a:rPr lang="de-DE" smtClean="0"/>
+              <a:rPr lang="de-DE"/>
               <a:t>Zweite Ebene</a:t>
             </a:r>
           </a:p>
           <a:p>
             <a:pPr lvl="2"/>
             <a:r>
-              <a:rPr lang="de-DE" smtClean="0"/>
+              <a:rPr lang="de-DE"/>
               <a:t>Dritte Ebene</a:t>
             </a:r>
           </a:p>
           <a:p>
             <a:pPr lvl="3"/>
             <a:r>
-              <a:rPr lang="de-DE" smtClean="0"/>
+              <a:rPr lang="de-DE"/>
               <a:t>Vierte Ebene</a:t>
             </a:r>
           </a:p>
           <a:p>
             <a:pPr lvl="4"/>
             <a:r>
-              <a:rPr lang="de-DE" smtClean="0"/>
+              <a:rPr lang="de-DE"/>
               <a:t>Fünfte Ebene</a:t>
             </a:r>
-            <a:endParaRPr lang="de-DE"/>
           </a:p>
         </p:txBody>
       </p:sp>
@@ -415,7 +411,7 @@
           <a:p>
             <a:fld id="{DF6398AD-6725-4853-A06D-297D0447FE54}" type="datetimeFigureOut">
               <a:rPr lang="de-DE" smtClean="0"/>
-              <a:t>27.04.2022</a:t>
+              <a:t>29.04.2022</a:t>
             </a:fld>
             <a:endParaRPr lang="de-DE" dirty="0"/>
           </a:p>
@@ -514,10 +510,9 @@
           <a:lstStyle/>
           <a:p>
             <a:r>
-              <a:rPr lang="de-DE" smtClean="0"/>
+              <a:rPr lang="de-DE"/>
               <a:t>Titelmasterformat durch Klicken bearbeiten</a:t>
             </a:r>
-            <a:endParaRPr lang="de-DE"/>
           </a:p>
         </p:txBody>
       </p:sp>
@@ -543,38 +538,37 @@
           <a:p>
             <a:pPr lvl="0"/>
             <a:r>
-              <a:rPr lang="de-DE" smtClean="0"/>
+              <a:rPr lang="de-DE"/>
               <a:t>Formatvorlagen des Textmasters bearbeiten</a:t>
             </a:r>
           </a:p>
           <a:p>
             <a:pPr lvl="1"/>
             <a:r>
-              <a:rPr lang="de-DE" smtClean="0"/>
+              <a:rPr lang="de-DE"/>
               <a:t>Zweite Ebene</a:t>
             </a:r>
           </a:p>
           <a:p>
             <a:pPr lvl="2"/>
             <a:r>
-              <a:rPr lang="de-DE" smtClean="0"/>
+              <a:rPr lang="de-DE"/>
               <a:t>Dritte Ebene</a:t>
             </a:r>
           </a:p>
           <a:p>
             <a:pPr lvl="3"/>
             <a:r>
-              <a:rPr lang="de-DE" smtClean="0"/>
+              <a:rPr lang="de-DE"/>
               <a:t>Vierte Ebene</a:t>
             </a:r>
           </a:p>
           <a:p>
             <a:pPr lvl="4"/>
             <a:r>
-              <a:rPr lang="de-DE" smtClean="0"/>
+              <a:rPr lang="de-DE"/>
               <a:t>Fünfte Ebene</a:t>
             </a:r>
-            <a:endParaRPr lang="de-DE"/>
           </a:p>
         </p:txBody>
       </p:sp>
@@ -595,7 +589,7 @@
           <a:p>
             <a:fld id="{DF6398AD-6725-4853-A06D-297D0447FE54}" type="datetimeFigureOut">
               <a:rPr lang="de-DE" smtClean="0"/>
-              <a:t>27.04.2022</a:t>
+              <a:t>29.04.2022</a:t>
             </a:fld>
             <a:endParaRPr lang="de-DE" dirty="0"/>
           </a:p>
@@ -689,10 +683,9 @@
           <a:lstStyle/>
           <a:p>
             <a:r>
-              <a:rPr lang="de-DE" smtClean="0"/>
+              <a:rPr lang="de-DE"/>
               <a:t>Titelmasterformat durch Klicken bearbeiten</a:t>
             </a:r>
-            <a:endParaRPr lang="de-DE"/>
           </a:p>
         </p:txBody>
       </p:sp>
@@ -713,38 +706,37 @@
           <a:p>
             <a:pPr lvl="0"/>
             <a:r>
-              <a:rPr lang="de-DE" smtClean="0"/>
+              <a:rPr lang="de-DE"/>
               <a:t>Formatvorlagen des Textmasters bearbeiten</a:t>
             </a:r>
           </a:p>
           <a:p>
             <a:pPr lvl="1"/>
             <a:r>
-              <a:rPr lang="de-DE" smtClean="0"/>
+              <a:rPr lang="de-DE"/>
               <a:t>Zweite Ebene</a:t>
             </a:r>
           </a:p>
           <a:p>
             <a:pPr lvl="2"/>
             <a:r>
-              <a:rPr lang="de-DE" smtClean="0"/>
+              <a:rPr lang="de-DE"/>
               <a:t>Dritte Ebene</a:t>
             </a:r>
           </a:p>
           <a:p>
             <a:pPr lvl="3"/>
             <a:r>
-              <a:rPr lang="de-DE" smtClean="0"/>
+              <a:rPr lang="de-DE"/>
               <a:t>Vierte Ebene</a:t>
             </a:r>
           </a:p>
           <a:p>
             <a:pPr lvl="4"/>
             <a:r>
-              <a:rPr lang="de-DE" smtClean="0"/>
+              <a:rPr lang="de-DE"/>
               <a:t>Fünfte Ebene</a:t>
             </a:r>
-            <a:endParaRPr lang="de-DE"/>
           </a:p>
         </p:txBody>
       </p:sp>
@@ -765,7 +757,7 @@
           <a:p>
             <a:fld id="{DF6398AD-6725-4853-A06D-297D0447FE54}" type="datetimeFigureOut">
               <a:rPr lang="de-DE" smtClean="0"/>
-              <a:t>27.04.2022</a:t>
+              <a:t>29.04.2022</a:t>
             </a:fld>
             <a:endParaRPr lang="de-DE" dirty="0"/>
           </a:p>
@@ -868,10 +860,9 @@
           </a:lstStyle>
           <a:p>
             <a:r>
-              <a:rPr lang="de-DE" smtClean="0"/>
+              <a:rPr lang="de-DE"/>
               <a:t>Titelmasterformat durch Klicken bearbeiten</a:t>
             </a:r>
-            <a:endParaRPr lang="de-DE"/>
           </a:p>
         </p:txBody>
       </p:sp>
@@ -988,7 +979,7 @@
           <a:p>
             <a:pPr lvl="0"/>
             <a:r>
-              <a:rPr lang="de-DE" smtClean="0"/>
+              <a:rPr lang="de-DE"/>
               <a:t>Formatvorlagen des Textmasters bearbeiten</a:t>
             </a:r>
           </a:p>
@@ -1011,7 +1002,7 @@
           <a:p>
             <a:fld id="{DF6398AD-6725-4853-A06D-297D0447FE54}" type="datetimeFigureOut">
               <a:rPr lang="de-DE" smtClean="0"/>
-              <a:t>27.04.2022</a:t>
+              <a:t>29.04.2022</a:t>
             </a:fld>
             <a:endParaRPr lang="de-DE" dirty="0"/>
           </a:p>
@@ -1105,10 +1096,9 @@
           <a:lstStyle/>
           <a:p>
             <a:r>
-              <a:rPr lang="de-DE" smtClean="0"/>
+              <a:rPr lang="de-DE"/>
               <a:t>Titelmasterformat durch Klicken bearbeiten</a:t>
             </a:r>
-            <a:endParaRPr lang="de-DE"/>
           </a:p>
         </p:txBody>
       </p:sp>
@@ -1134,38 +1124,37 @@
           <a:p>
             <a:pPr lvl="0"/>
             <a:r>
-              <a:rPr lang="de-DE" smtClean="0"/>
+              <a:rPr lang="de-DE"/>
               <a:t>Formatvorlagen des Textmasters bearbeiten</a:t>
             </a:r>
           </a:p>
           <a:p>
             <a:pPr lvl="1"/>
             <a:r>
-              <a:rPr lang="de-DE" smtClean="0"/>
+              <a:rPr lang="de-DE"/>
               <a:t>Zweite Ebene</a:t>
             </a:r>
           </a:p>
           <a:p>
             <a:pPr lvl="2"/>
             <a:r>
-              <a:rPr lang="de-DE" smtClean="0"/>
+              <a:rPr lang="de-DE"/>
               <a:t>Dritte Ebene</a:t>
             </a:r>
           </a:p>
           <a:p>
             <a:pPr lvl="3"/>
             <a:r>
-              <a:rPr lang="de-DE" smtClean="0"/>
+              <a:rPr lang="de-DE"/>
               <a:t>Vierte Ebene</a:t>
             </a:r>
           </a:p>
           <a:p>
             <a:pPr lvl="4"/>
             <a:r>
-              <a:rPr lang="de-DE" smtClean="0"/>
+              <a:rPr lang="de-DE"/>
               <a:t>Fünfte Ebene</a:t>
             </a:r>
-            <a:endParaRPr lang="de-DE"/>
           </a:p>
         </p:txBody>
       </p:sp>
@@ -1191,38 +1180,37 @@
           <a:p>
             <a:pPr lvl="0"/>
             <a:r>
-              <a:rPr lang="de-DE" smtClean="0"/>
+              <a:rPr lang="de-DE"/>
               <a:t>Formatvorlagen des Textmasters bearbeiten</a:t>
             </a:r>
           </a:p>
           <a:p>
             <a:pPr lvl="1"/>
             <a:r>
-              <a:rPr lang="de-DE" smtClean="0"/>
+              <a:rPr lang="de-DE"/>
               <a:t>Zweite Ebene</a:t>
             </a:r>
           </a:p>
           <a:p>
             <a:pPr lvl="2"/>
             <a:r>
-              <a:rPr lang="de-DE" smtClean="0"/>
+              <a:rPr lang="de-DE"/>
               <a:t>Dritte Ebene</a:t>
             </a:r>
           </a:p>
           <a:p>
             <a:pPr lvl="3"/>
             <a:r>
-              <a:rPr lang="de-DE" smtClean="0"/>
+              <a:rPr lang="de-DE"/>
               <a:t>Vierte Ebene</a:t>
             </a:r>
           </a:p>
           <a:p>
             <a:pPr lvl="4"/>
             <a:r>
-              <a:rPr lang="de-DE" smtClean="0"/>
+              <a:rPr lang="de-DE"/>
               <a:t>Fünfte Ebene</a:t>
             </a:r>
-            <a:endParaRPr lang="de-DE"/>
           </a:p>
         </p:txBody>
       </p:sp>
@@ -1243,7 +1231,7 @@
           <a:p>
             <a:fld id="{DF6398AD-6725-4853-A06D-297D0447FE54}" type="datetimeFigureOut">
               <a:rPr lang="de-DE" smtClean="0"/>
-              <a:t>27.04.2022</a:t>
+              <a:t>29.04.2022</a:t>
             </a:fld>
             <a:endParaRPr lang="de-DE" dirty="0"/>
           </a:p>
@@ -1342,10 +1330,9 @@
           <a:lstStyle/>
           <a:p>
             <a:r>
-              <a:rPr lang="de-DE" smtClean="0"/>
+              <a:rPr lang="de-DE"/>
               <a:t>Titelmasterformat durch Klicken bearbeiten</a:t>
             </a:r>
-            <a:endParaRPr lang="de-DE"/>
           </a:p>
         </p:txBody>
       </p:sp>
@@ -1408,7 +1395,7 @@
           <a:p>
             <a:pPr lvl="0"/>
             <a:r>
-              <a:rPr lang="de-DE" smtClean="0"/>
+              <a:rPr lang="de-DE"/>
               <a:t>Formatvorlagen des Textmasters bearbeiten</a:t>
             </a:r>
           </a:p>
@@ -1436,38 +1423,37 @@
           <a:p>
             <a:pPr lvl="0"/>
             <a:r>
-              <a:rPr lang="de-DE" smtClean="0"/>
+              <a:rPr lang="de-DE"/>
               <a:t>Formatvorlagen des Textmasters bearbeiten</a:t>
             </a:r>
           </a:p>
           <a:p>
             <a:pPr lvl="1"/>
             <a:r>
-              <a:rPr lang="de-DE" smtClean="0"/>
+              <a:rPr lang="de-DE"/>
               <a:t>Zweite Ebene</a:t>
             </a:r>
           </a:p>
           <a:p>
             <a:pPr lvl="2"/>
             <a:r>
-              <a:rPr lang="de-DE" smtClean="0"/>
+              <a:rPr lang="de-DE"/>
               <a:t>Dritte Ebene</a:t>
             </a:r>
           </a:p>
           <a:p>
             <a:pPr lvl="3"/>
             <a:r>
-              <a:rPr lang="de-DE" smtClean="0"/>
+              <a:rPr lang="de-DE"/>
               <a:t>Vierte Ebene</a:t>
             </a:r>
           </a:p>
           <a:p>
             <a:pPr lvl="4"/>
             <a:r>
-              <a:rPr lang="de-DE" smtClean="0"/>
+              <a:rPr lang="de-DE"/>
               <a:t>Fünfte Ebene</a:t>
             </a:r>
-            <a:endParaRPr lang="de-DE"/>
           </a:p>
         </p:txBody>
       </p:sp>
@@ -1530,7 +1516,7 @@
           <a:p>
             <a:pPr lvl="0"/>
             <a:r>
-              <a:rPr lang="de-DE" smtClean="0"/>
+              <a:rPr lang="de-DE"/>
               <a:t>Formatvorlagen des Textmasters bearbeiten</a:t>
             </a:r>
           </a:p>
@@ -1558,38 +1544,37 @@
           <a:p>
             <a:pPr lvl="0"/>
             <a:r>
-              <a:rPr lang="de-DE" smtClean="0"/>
+              <a:rPr lang="de-DE"/>
               <a:t>Formatvorlagen des Textmasters bearbeiten</a:t>
             </a:r>
           </a:p>
           <a:p>
             <a:pPr lvl="1"/>
             <a:r>
-              <a:rPr lang="de-DE" smtClean="0"/>
+              <a:rPr lang="de-DE"/>
               <a:t>Zweite Ebene</a:t>
             </a:r>
           </a:p>
           <a:p>
             <a:pPr lvl="2"/>
             <a:r>
-              <a:rPr lang="de-DE" smtClean="0"/>
+              <a:rPr lang="de-DE"/>
               <a:t>Dritte Ebene</a:t>
             </a:r>
           </a:p>
           <a:p>
             <a:pPr lvl="3"/>
             <a:r>
-              <a:rPr lang="de-DE" smtClean="0"/>
+              <a:rPr lang="de-DE"/>
               <a:t>Vierte Ebene</a:t>
             </a:r>
           </a:p>
           <a:p>
             <a:pPr lvl="4"/>
             <a:r>
-              <a:rPr lang="de-DE" smtClean="0"/>
+              <a:rPr lang="de-DE"/>
               <a:t>Fünfte Ebene</a:t>
             </a:r>
-            <a:endParaRPr lang="de-DE"/>
           </a:p>
         </p:txBody>
       </p:sp>
@@ -1610,7 +1595,7 @@
           <a:p>
             <a:fld id="{DF6398AD-6725-4853-A06D-297D0447FE54}" type="datetimeFigureOut">
               <a:rPr lang="de-DE" smtClean="0"/>
-              <a:t>27.04.2022</a:t>
+              <a:t>29.04.2022</a:t>
             </a:fld>
             <a:endParaRPr lang="de-DE" dirty="0"/>
           </a:p>
@@ -1704,10 +1689,9 @@
           <a:lstStyle/>
           <a:p>
             <a:r>
-              <a:rPr lang="de-DE" smtClean="0"/>
+              <a:rPr lang="de-DE"/>
               <a:t>Titelmasterformat durch Klicken bearbeiten</a:t>
             </a:r>
-            <a:endParaRPr lang="de-DE"/>
           </a:p>
         </p:txBody>
       </p:sp>
@@ -1728,7 +1712,7 @@
           <a:p>
             <a:fld id="{DF6398AD-6725-4853-A06D-297D0447FE54}" type="datetimeFigureOut">
               <a:rPr lang="de-DE" smtClean="0"/>
-              <a:t>27.04.2022</a:t>
+              <a:t>29.04.2022</a:t>
             </a:fld>
             <a:endParaRPr lang="de-DE" dirty="0"/>
           </a:p>
@@ -1823,7 +1807,7 @@
           <a:p>
             <a:fld id="{DF6398AD-6725-4853-A06D-297D0447FE54}" type="datetimeFigureOut">
               <a:rPr lang="de-DE" smtClean="0"/>
-              <a:t>27.04.2022</a:t>
+              <a:t>29.04.2022</a:t>
             </a:fld>
             <a:endParaRPr lang="de-DE" dirty="0"/>
           </a:p>
@@ -1926,10 +1910,9 @@
           </a:lstStyle>
           <a:p>
             <a:r>
-              <a:rPr lang="de-DE" smtClean="0"/>
+              <a:rPr lang="de-DE"/>
               <a:t>Titelmasterformat durch Klicken bearbeiten</a:t>
             </a:r>
-            <a:endParaRPr lang="de-DE"/>
           </a:p>
         </p:txBody>
       </p:sp>
@@ -1983,38 +1966,37 @@
           <a:p>
             <a:pPr lvl="0"/>
             <a:r>
-              <a:rPr lang="de-DE" smtClean="0"/>
+              <a:rPr lang="de-DE"/>
               <a:t>Formatvorlagen des Textmasters bearbeiten</a:t>
             </a:r>
           </a:p>
           <a:p>
             <a:pPr lvl="1"/>
             <a:r>
-              <a:rPr lang="de-DE" smtClean="0"/>
+              <a:rPr lang="de-DE"/>
               <a:t>Zweite Ebene</a:t>
             </a:r>
           </a:p>
           <a:p>
             <a:pPr lvl="2"/>
             <a:r>
-              <a:rPr lang="de-DE" smtClean="0"/>
+              <a:rPr lang="de-DE"/>
               <a:t>Dritte Ebene</a:t>
             </a:r>
           </a:p>
           <a:p>
             <a:pPr lvl="3"/>
             <a:r>
-              <a:rPr lang="de-DE" smtClean="0"/>
+              <a:rPr lang="de-DE"/>
               <a:t>Vierte Ebene</a:t>
             </a:r>
           </a:p>
           <a:p>
             <a:pPr lvl="4"/>
             <a:r>
-              <a:rPr lang="de-DE" smtClean="0"/>
+              <a:rPr lang="de-DE"/>
               <a:t>Fünfte Ebene</a:t>
             </a:r>
-            <a:endParaRPr lang="de-DE"/>
           </a:p>
         </p:txBody>
       </p:sp>
@@ -2077,7 +2059,7 @@
           <a:p>
             <a:pPr lvl="0"/>
             <a:r>
-              <a:rPr lang="de-DE" smtClean="0"/>
+              <a:rPr lang="de-DE"/>
               <a:t>Formatvorlagen des Textmasters bearbeiten</a:t>
             </a:r>
           </a:p>
@@ -2100,7 +2082,7 @@
           <a:p>
             <a:fld id="{DF6398AD-6725-4853-A06D-297D0447FE54}" type="datetimeFigureOut">
               <a:rPr lang="de-DE" smtClean="0"/>
-              <a:t>27.04.2022</a:t>
+              <a:t>29.04.2022</a:t>
             </a:fld>
             <a:endParaRPr lang="de-DE" dirty="0"/>
           </a:p>
@@ -2203,10 +2185,9 @@
           </a:lstStyle>
           <a:p>
             <a:r>
-              <a:rPr lang="de-DE" smtClean="0"/>
+              <a:rPr lang="de-DE"/>
               <a:t>Titelmasterformat durch Klicken bearbeiten</a:t>
             </a:r>
-            <a:endParaRPr lang="de-DE"/>
           </a:p>
         </p:txBody>
       </p:sp>
@@ -2330,7 +2311,7 @@
           <a:p>
             <a:pPr lvl="0"/>
             <a:r>
-              <a:rPr lang="de-DE" smtClean="0"/>
+              <a:rPr lang="de-DE"/>
               <a:t>Formatvorlagen des Textmasters bearbeiten</a:t>
             </a:r>
           </a:p>
@@ -2353,7 +2334,7 @@
           <a:p>
             <a:fld id="{DF6398AD-6725-4853-A06D-297D0447FE54}" type="datetimeFigureOut">
               <a:rPr lang="de-DE" smtClean="0"/>
-              <a:t>27.04.2022</a:t>
+              <a:t>29.04.2022</a:t>
             </a:fld>
             <a:endParaRPr lang="de-DE" dirty="0"/>
           </a:p>
@@ -2462,10 +2443,9 @@
           <a:lstStyle/>
           <a:p>
             <a:r>
-              <a:rPr lang="de-DE" smtClean="0"/>
+              <a:rPr lang="de-DE"/>
               <a:t>Titelmasterformat durch Klicken bearbeiten</a:t>
             </a:r>
-            <a:endParaRPr lang="de-DE"/>
           </a:p>
         </p:txBody>
       </p:sp>
@@ -2496,38 +2476,37 @@
           <a:p>
             <a:pPr lvl="0"/>
             <a:r>
-              <a:rPr lang="de-DE" smtClean="0"/>
+              <a:rPr lang="de-DE"/>
               <a:t>Formatvorlagen des Textmasters bearbeiten</a:t>
             </a:r>
           </a:p>
           <a:p>
             <a:pPr lvl="1"/>
             <a:r>
-              <a:rPr lang="de-DE" smtClean="0"/>
+              <a:rPr lang="de-DE"/>
               <a:t>Zweite Ebene</a:t>
             </a:r>
           </a:p>
           <a:p>
             <a:pPr lvl="2"/>
             <a:r>
-              <a:rPr lang="de-DE" smtClean="0"/>
+              <a:rPr lang="de-DE"/>
               <a:t>Dritte Ebene</a:t>
             </a:r>
           </a:p>
           <a:p>
             <a:pPr lvl="3"/>
             <a:r>
-              <a:rPr lang="de-DE" smtClean="0"/>
+              <a:rPr lang="de-DE"/>
               <a:t>Vierte Ebene</a:t>
             </a:r>
           </a:p>
           <a:p>
             <a:pPr lvl="4"/>
             <a:r>
-              <a:rPr lang="de-DE" smtClean="0"/>
+              <a:rPr lang="de-DE"/>
               <a:t>Fünfte Ebene</a:t>
             </a:r>
-            <a:endParaRPr lang="de-DE"/>
           </a:p>
         </p:txBody>
       </p:sp>
@@ -2566,7 +2545,7 @@
           <a:p>
             <a:fld id="{DF6398AD-6725-4853-A06D-297D0447FE54}" type="datetimeFigureOut">
               <a:rPr lang="de-DE" smtClean="0"/>
-              <a:t>27.04.2022</a:t>
+              <a:t>29.04.2022</a:t>
             </a:fld>
             <a:endParaRPr lang="de-DE" dirty="0"/>
           </a:p>
@@ -2989,10 +2968,9 @@
           <a:lstStyle/>
           <a:p>
             <a:r>
-              <a:rPr lang="de-DE" sz="2800" dirty="0" smtClean="0"/>
+              <a:rPr lang="de-DE" sz="2800" dirty="0"/>
               <a:t>Anforderungen an Fehleranzeige</a:t>
             </a:r>
-            <a:endParaRPr lang="de-DE" sz="2800" dirty="0"/>
           </a:p>
         </p:txBody>
       </p:sp>
@@ -3014,47 +2992,46 @@
           <a:lstStyle/>
           <a:p>
             <a:r>
-              <a:rPr lang="de-DE" sz="1800" dirty="0" smtClean="0"/>
+              <a:rPr lang="de-DE" sz="1800" dirty="0"/>
               <a:t>Globales DEBUG setting</a:t>
             </a:r>
+          </a:p>
+          <a:p>
+            <a:r>
+              <a:rPr lang="de-DE" sz="1800" dirty="0"/>
+              <a:t>Wann wird was angeziegt?</a:t>
+            </a:r>
+          </a:p>
+          <a:p>
             <a:endParaRPr lang="de-DE" sz="1800" dirty="0"/>
           </a:p>
           <a:p>
-            <a:r>
-              <a:rPr lang="de-DE" sz="1800" dirty="0" smtClean="0"/>
-              <a:t>Wann wird was angeziegt?</a:t>
-            </a:r>
-          </a:p>
-          <a:p>
             <a:endParaRPr lang="de-DE" sz="1800" dirty="0"/>
           </a:p>
           <a:p>
-            <a:endParaRPr lang="de-DE" sz="1800" dirty="0" smtClean="0"/>
-          </a:p>
-          <a:p>
             <a:endParaRPr lang="de-DE" sz="1800" dirty="0"/>
           </a:p>
           <a:p>
-            <a:endParaRPr lang="de-DE" sz="1800" dirty="0" smtClean="0"/>
-          </a:p>
-          <a:p>
             <a:endParaRPr lang="de-DE" sz="1800" dirty="0"/>
           </a:p>
           <a:p>
-            <a:endParaRPr lang="de-DE" sz="1800" dirty="0" smtClean="0"/>
-          </a:p>
-          <a:p>
-            <a:endParaRPr lang="de-DE" sz="1800" dirty="0" smtClean="0"/>
-          </a:p>
-          <a:p>
-            <a:r>
-              <a:rPr lang="de-DE" sz="1800" dirty="0" smtClean="0"/>
+            <a:endParaRPr lang="de-DE" sz="1800" dirty="0"/>
+          </a:p>
+          <a:p>
+            <a:endParaRPr lang="de-DE" sz="1800" dirty="0"/>
+          </a:p>
+          <a:p>
+            <a:endParaRPr lang="de-DE" sz="1800" dirty="0"/>
+          </a:p>
+          <a:p>
+            <a:r>
+              <a:rPr lang="de-DE" sz="1800" dirty="0"/>
               <a:t>Fehler in logger mit entsprechendem Level</a:t>
             </a:r>
           </a:p>
           <a:p>
             <a:r>
-              <a:rPr lang="de-DE" sz="1800" dirty="0" smtClean="0"/>
+              <a:rPr lang="de-DE" sz="1800" dirty="0"/>
               <a:t>Möglichst nichts auf stdout -&gt; reserviert für gui infos</a:t>
             </a:r>
           </a:p>
@@ -3069,14 +3046,14 @@
           <p:nvPr>
             <p:extLst>
               <p:ext uri="{D42A27DB-BD31-4B8C-83A1-F6EECF244321}">
-                <p14:modId xmlns:p14="http://schemas.microsoft.com/office/powerpoint/2010/main" val="3830046742"/>
+                <p14:modId xmlns:p14="http://schemas.microsoft.com/office/powerpoint/2010/main" val="2281550798"/>
               </p:ext>
             </p:extLst>
           </p:nvPr>
         </p:nvGraphicFramePr>
         <p:xfrm>
           <a:off x="838200" y="2639392"/>
-          <a:ext cx="8128001" cy="1742440"/>
+          <a:ext cx="10439399" cy="2286000"/>
         </p:xfrm>
         <a:graphic>
           <a:graphicData uri="http://schemas.openxmlformats.org/drawingml/2006/table">
@@ -3085,35 +3062,35 @@
                 <a:tableStyleId>{2D5ABB26-0587-4C30-8999-92F81FD0307C}</a:tableStyleId>
               </a:tblPr>
               <a:tblGrid>
-                <a:gridCol w="2709333">
+                <a:gridCol w="3479799">
                   <a:extLst>
                     <a:ext uri="{9D8B030D-6E8A-4147-A177-3AD203B41FA5}">
                       <a16:colId xmlns:a16="http://schemas.microsoft.com/office/drawing/2014/main" val="177694271"/>
                     </a:ext>
                   </a:extLst>
                 </a:gridCol>
-                <a:gridCol w="1354667">
+                <a:gridCol w="1739900">
                   <a:extLst>
                     <a:ext uri="{9D8B030D-6E8A-4147-A177-3AD203B41FA5}">
                       <a16:colId xmlns:a16="http://schemas.microsoft.com/office/drawing/2014/main" val="4239129075"/>
                     </a:ext>
                   </a:extLst>
                 </a:gridCol>
-                <a:gridCol w="1354667">
+                <a:gridCol w="1186963">
                   <a:extLst>
                     <a:ext uri="{9D8B030D-6E8A-4147-A177-3AD203B41FA5}">
                       <a16:colId xmlns:a16="http://schemas.microsoft.com/office/drawing/2014/main" val="2574193871"/>
                     </a:ext>
                   </a:extLst>
                 </a:gridCol>
-                <a:gridCol w="1354667">
+                <a:gridCol w="2292837">
                   <a:extLst>
                     <a:ext uri="{9D8B030D-6E8A-4147-A177-3AD203B41FA5}">
                       <a16:colId xmlns:a16="http://schemas.microsoft.com/office/drawing/2014/main" val="2092785882"/>
                     </a:ext>
                   </a:extLst>
                 </a:gridCol>
-                <a:gridCol w="1354667">
+                <a:gridCol w="1739900">
                   <a:extLst>
                     <a:ext uri="{9D8B030D-6E8A-4147-A177-3AD203B41FA5}">
                       <a16:colId xmlns:a16="http://schemas.microsoft.com/office/drawing/2014/main" val="1203279659"/>
@@ -3175,10 +3152,9 @@
                     <a:lstStyle/>
                     <a:p>
                       <a:r>
-                        <a:rPr lang="de-DE" dirty="0" smtClean="0"/>
+                        <a:rPr lang="de-DE" dirty="0"/>
                         <a:t>DEBUG = TRUE</a:t>
                       </a:r>
-                      <a:endParaRPr lang="de-DE" dirty="0"/>
                     </a:p>
                   </a:txBody>
                   <a:tcPr>
@@ -3236,11 +3212,11 @@
                     <a:lstStyle/>
                     <a:p>
                       <a:r>
-                        <a:rPr lang="de-DE" dirty="0" smtClean="0"/>
+                        <a:rPr lang="de-DE" dirty="0"/>
                         <a:t>DEBUG</a:t>
                       </a:r>
                       <a:r>
-                        <a:rPr lang="de-DE" baseline="0" dirty="0" smtClean="0"/>
+                        <a:rPr lang="de-DE" baseline="0" dirty="0"/>
                         <a:t> = FALSE</a:t>
                       </a:r>
                       <a:endParaRPr lang="de-DE" dirty="0"/>
@@ -3308,10 +3284,9 @@
                     <a:lstStyle/>
                     <a:p>
                       <a:r>
-                        <a:rPr lang="de-DE" dirty="0" smtClean="0"/>
+                        <a:rPr lang="de-DE" dirty="0"/>
                         <a:t>Fehler</a:t>
                       </a:r>
-                      <a:endParaRPr lang="de-DE" dirty="0"/>
                     </a:p>
                   </a:txBody>
                   <a:tcPr>
@@ -3359,10 +3334,9 @@
                     <a:lstStyle/>
                     <a:p>
                       <a:r>
-                        <a:rPr lang="de-DE" dirty="0" smtClean="0"/>
+                        <a:rPr lang="de-DE" dirty="0"/>
                         <a:t>ja</a:t>
                       </a:r>
-                      <a:endParaRPr lang="de-DE" dirty="0"/>
                     </a:p>
                   </a:txBody>
                   <a:tcPr>
@@ -3410,10 +3384,9 @@
                     <a:lstStyle/>
                     <a:p>
                       <a:r>
-                        <a:rPr lang="de-DE" dirty="0" smtClean="0"/>
+                        <a:rPr lang="de-DE" dirty="0"/>
                         <a:t>nein</a:t>
                       </a:r>
-                      <a:endParaRPr lang="de-DE" dirty="0"/>
                     </a:p>
                   </a:txBody>
                   <a:tcPr>
@@ -3461,10 +3434,9 @@
                     <a:lstStyle/>
                     <a:p>
                       <a:r>
-                        <a:rPr lang="de-DE" dirty="0" smtClean="0"/>
+                        <a:rPr lang="de-DE" dirty="0"/>
                         <a:t>ja</a:t>
                       </a:r>
-                      <a:endParaRPr lang="de-DE" dirty="0"/>
                     </a:p>
                   </a:txBody>
                   <a:tcPr>
@@ -3512,10 +3484,9 @@
                     <a:lstStyle/>
                     <a:p>
                       <a:r>
-                        <a:rPr lang="de-DE" dirty="0" smtClean="0"/>
+                        <a:rPr lang="de-DE" dirty="0"/>
                         <a:t>nein</a:t>
                       </a:r>
-                      <a:endParaRPr lang="de-DE" dirty="0"/>
                     </a:p>
                   </a:txBody>
                   <a:tcPr>
@@ -3570,11 +3541,11 @@
                     <a:lstStyle/>
                     <a:p>
                       <a:r>
-                        <a:rPr lang="de-DE" dirty="0" smtClean="0"/>
+                        <a:rPr lang="de-DE" dirty="0"/>
                         <a:t>Web</a:t>
                       </a:r>
                       <a:r>
-                        <a:rPr lang="de-DE" baseline="0" dirty="0" smtClean="0"/>
+                        <a:rPr lang="de-DE" baseline="0" dirty="0"/>
                         <a:t> GUI</a:t>
                       </a:r>
                     </a:p>
@@ -3624,7 +3595,7 @@
                     <a:lstStyle/>
                     <a:p>
                       <a:r>
-                        <a:rPr lang="de-DE" dirty="0" err="1" smtClean="0"/>
+                        <a:rPr lang="de-DE" dirty="0" err="1"/>
                         <a:t>Debug</a:t>
                       </a:r>
                       <a:endParaRPr lang="de-DE" dirty="0"/>
@@ -3678,7 +3649,7 @@
                     <a:lstStyle/>
                     <a:p>
                       <a:r>
-                        <a:rPr lang="de-DE" dirty="0" err="1" smtClean="0"/>
+                        <a:rPr lang="de-DE" dirty="0" err="1"/>
                         <a:t>output</a:t>
                       </a:r>
                       <a:endParaRPr lang="de-DE" dirty="0"/>
@@ -3732,9 +3703,30 @@
                     <a:lstStyle/>
                     <a:p>
                       <a:r>
-                        <a:rPr lang="de-DE" dirty="0" smtClean="0"/>
-                        <a:t>Nix !</a:t>
+                        <a:rPr lang="de-DE" dirty="0"/>
+                        <a:t>Weder </a:t>
                       </a:r>
+                      <a:r>
+                        <a:rPr lang="de-DE" dirty="0" err="1"/>
+                        <a:t>output</a:t>
+                      </a:r>
+                      <a:r>
+                        <a:rPr lang="de-DE" dirty="0"/>
+                        <a:t> noch </a:t>
+                      </a:r>
+                      <a:r>
+                        <a:rPr lang="de-DE" dirty="0" err="1"/>
+                        <a:t>debug</a:t>
+                      </a:r>
+                      <a:r>
+                        <a:rPr lang="de-DE" dirty="0"/>
+                        <a:t>, generische </a:t>
+                      </a:r>
+                      <a:r>
+                        <a:rPr lang="de-DE" dirty="0" err="1"/>
+                        <a:t>fehlermeldung</a:t>
+                      </a:r>
+                      <a:endParaRPr lang="de-DE" dirty="0"/>
                     </a:p>
                   </a:txBody>
                   <a:tcPr>
@@ -3785,10 +3777,10 @@
                     <a:lstStyle/>
                     <a:p>
                       <a:r>
-                        <a:rPr lang="de-DE" dirty="0" err="1" smtClean="0"/>
+                        <a:rPr lang="de-DE" dirty="0" err="1"/>
                         <a:t>output</a:t>
                       </a:r>
-                      <a:endParaRPr lang="de-DE" dirty="0" smtClean="0"/>
+                      <a:endParaRPr lang="de-DE" dirty="0"/>
                     </a:p>
                   </a:txBody>
                   <a:tcPr>
@@ -3846,10 +3838,9 @@
                     <a:lstStyle/>
                     <a:p>
                       <a:r>
-                        <a:rPr lang="de-DE" dirty="0" smtClean="0"/>
+                        <a:rPr lang="de-DE" dirty="0"/>
                         <a:t>cmd</a:t>
                       </a:r>
-                      <a:endParaRPr lang="de-DE" dirty="0"/>
                     </a:p>
                   </a:txBody>
                   <a:tcPr>
@@ -3897,11 +3888,11 @@
                     <a:lstStyle/>
                     <a:p>
                       <a:r>
-                        <a:rPr lang="de-DE" dirty="0" smtClean="0"/>
+                        <a:rPr lang="de-DE" dirty="0"/>
                         <a:t>Logger, </a:t>
                       </a:r>
                       <a:r>
-                        <a:rPr lang="de-DE" dirty="0" err="1" smtClean="0"/>
+                        <a:rPr lang="de-DE" dirty="0" err="1"/>
                         <a:t>stdout</a:t>
                       </a:r>
                       <a:endParaRPr lang="de-DE" dirty="0"/>
@@ -3972,14 +3963,14 @@
                         <a:defRPr/>
                       </a:pPr>
                       <a:r>
-                        <a:rPr lang="de-DE" dirty="0" smtClean="0"/>
+                        <a:rPr lang="de-DE" dirty="0"/>
                         <a:t>Logger, </a:t>
                       </a:r>
                       <a:r>
-                        <a:rPr lang="de-DE" dirty="0" err="1" smtClean="0"/>
+                        <a:rPr lang="de-DE" dirty="0" err="1"/>
                         <a:t>stdout</a:t>
                       </a:r>
-                      <a:endParaRPr lang="de-DE" dirty="0" smtClean="0"/>
+                      <a:endParaRPr lang="de-DE" dirty="0"/>
                     </a:p>
                   </a:txBody>
                   <a:tcPr>
@@ -4030,11 +4021,11 @@
                     <a:lstStyle/>
                     <a:p>
                       <a:r>
-                        <a:rPr lang="de-DE" dirty="0" smtClean="0"/>
+                        <a:rPr lang="de-DE" dirty="0"/>
                         <a:t>Logger, </a:t>
                       </a:r>
                       <a:r>
-                        <a:rPr lang="de-DE" dirty="0" err="1" smtClean="0"/>
+                        <a:rPr lang="de-DE" dirty="0" err="1"/>
                         <a:t>stdout</a:t>
                       </a:r>
                       <a:endParaRPr lang="de-DE" dirty="0"/>
@@ -4105,14 +4096,14 @@
                         <a:defRPr/>
                       </a:pPr>
                       <a:r>
-                        <a:rPr lang="de-DE" dirty="0" smtClean="0"/>
+                        <a:rPr lang="de-DE" dirty="0"/>
                         <a:t>Logger, </a:t>
                       </a:r>
                       <a:r>
-                        <a:rPr lang="de-DE" dirty="0" err="1" smtClean="0"/>
+                        <a:rPr lang="de-DE" dirty="0" err="1"/>
                         <a:t>stdout</a:t>
                       </a:r>
-                      <a:endParaRPr lang="de-DE" dirty="0" smtClean="0"/>
+                      <a:endParaRPr lang="de-DE" dirty="0"/>
                     </a:p>
                   </a:txBody>
                   <a:tcPr>
@@ -4177,13 +4168,6 @@
   <p:clrMapOvr>
     <a:masterClrMapping/>
   </p:clrMapOvr>
-  <p:timing>
-    <p:tnLst>
-      <p:par>
-        <p:cTn id="1" dur="indefinite" restart="never" nodeType="tmRoot"/>
-      </p:par>
-    </p:tnLst>
-  </p:timing>
 </p:sld>
 </file>
 
@@ -4241,10 +4225,9 @@
           <a:p>
             <a:pPr algn="ctr"/>
             <a:r>
-              <a:rPr lang="de-DE" dirty="0" smtClean="0"/>
+              <a:rPr lang="de-DE" dirty="0"/>
               <a:t>Ackrep_data</a:t>
             </a:r>
-            <a:endParaRPr lang="de-DE" dirty="0"/>
           </a:p>
         </p:txBody>
       </p:sp>
@@ -4285,10 +4268,9 @@
           <a:p>
             <a:pPr algn="ctr"/>
             <a:r>
-              <a:rPr lang="de-DE" dirty="0" smtClean="0"/>
+              <a:rPr lang="de-DE" dirty="0"/>
               <a:t>execscript</a:t>
             </a:r>
-            <a:endParaRPr lang="de-DE" dirty="0"/>
           </a:p>
         </p:txBody>
       </p:sp>
@@ -4300,7 +4282,7 @@
         </p:nvSpPr>
         <p:spPr>
           <a:xfrm>
-            <a:off x="5619403" y="1342505"/>
+            <a:off x="5619403" y="1338824"/>
             <a:ext cx="1521230" cy="1221970"/>
           </a:xfrm>
           <a:prstGeom prst="roundRect">
@@ -4329,10 +4311,9 @@
           <a:p>
             <a:pPr algn="ctr"/>
             <a:r>
-              <a:rPr lang="de-DE" dirty="0" smtClean="0"/>
+              <a:rPr lang="de-DE" dirty="0"/>
               <a:t>view</a:t>
             </a:r>
-            <a:endParaRPr lang="de-DE" dirty="0"/>
           </a:p>
         </p:txBody>
       </p:sp>
@@ -4373,10 +4354,9 @@
           <a:p>
             <a:pPr algn="ctr"/>
             <a:r>
-              <a:rPr lang="de-DE" dirty="0" smtClean="0"/>
+              <a:rPr lang="de-DE" dirty="0"/>
               <a:t>gui</a:t>
             </a:r>
-            <a:endParaRPr lang="de-DE" dirty="0"/>
           </a:p>
         </p:txBody>
       </p:sp>
@@ -4417,10 +4397,9 @@
           <a:p>
             <a:pPr algn="ctr"/>
             <a:r>
-              <a:rPr lang="de-DE" dirty="0" smtClean="0"/>
+              <a:rPr lang="de-DE" dirty="0"/>
               <a:t>test</a:t>
             </a:r>
-            <a:endParaRPr lang="de-DE" dirty="0"/>
           </a:p>
         </p:txBody>
       </p:sp>
@@ -4507,8 +4486,8 @@
         </p:nvCxnSpPr>
         <p:spPr>
           <a:xfrm flipH="1">
-            <a:off x="4571230" y="1953490"/>
-            <a:ext cx="1048173" cy="860366"/>
+            <a:off x="4571230" y="1949809"/>
+            <a:ext cx="1048173" cy="864047"/>
           </a:xfrm>
           <a:prstGeom prst="straightConnector1">
             <a:avLst/>
@@ -4542,9 +4521,9 @@
           <p:nvPr/>
         </p:nvCxnSpPr>
         <p:spPr>
-          <a:xfrm flipH="1">
-            <a:off x="7140633" y="1953490"/>
-            <a:ext cx="1039089" cy="0"/>
+          <a:xfrm flipH="1" flipV="1">
+            <a:off x="7140633" y="1949809"/>
+            <a:ext cx="1039089" cy="3681"/>
           </a:xfrm>
           <a:prstGeom prst="straightConnector1">
             <a:avLst/>
@@ -4605,7 +4584,7 @@
           <a:p>
             <a:pPr algn="ctr"/>
             <a:r>
-              <a:rPr lang="de-DE" dirty="0" smtClean="0"/>
+              <a:rPr lang="de-DE" dirty="0"/>
               <a:t>Cmd</a:t>
             </a:r>
           </a:p>
@@ -4687,10 +4666,9 @@
           <a:p>
             <a:pPr algn="ctr"/>
             <a:r>
-              <a:rPr lang="de-DE" dirty="0" smtClean="0"/>
+              <a:rPr lang="de-DE" dirty="0"/>
               <a:t>Ausgabe von stdout</a:t>
             </a:r>
-            <a:endParaRPr lang="de-DE" dirty="0"/>
           </a:p>
         </p:txBody>
       </p:sp>
@@ -4702,7 +4680,7 @@
         </p:nvSpPr>
         <p:spPr>
           <a:xfrm>
-            <a:off x="7826431" y="5411586"/>
+            <a:off x="7614705" y="5411586"/>
             <a:ext cx="1487979" cy="852055"/>
           </a:xfrm>
           <a:prstGeom prst="roundRect">
@@ -4734,10 +4712,9 @@
           <a:p>
             <a:pPr algn="ctr"/>
             <a:r>
-              <a:rPr lang="de-DE" dirty="0" smtClean="0"/>
+              <a:rPr lang="de-DE" dirty="0"/>
               <a:t>Ausgabe von logger</a:t>
             </a:r>
-            <a:endParaRPr lang="de-DE" dirty="0"/>
           </a:p>
         </p:txBody>
       </p:sp>
@@ -4787,9 +4764,9 @@
           <p:nvPr/>
         </p:nvCxnSpPr>
         <p:spPr>
-          <a:xfrm>
-            <a:off x="8570421" y="4946072"/>
-            <a:ext cx="0" cy="465514"/>
+          <a:xfrm flipH="1">
+            <a:off x="8358695" y="4946072"/>
+            <a:ext cx="211726" cy="465514"/>
           </a:xfrm>
           <a:prstGeom prst="straightConnector1">
             <a:avLst/>
@@ -4877,53 +4854,48 @@
           <a:lstStyle/>
           <a:p>
             <a:r>
-              <a:rPr lang="de-DE" dirty="0" smtClean="0"/>
+              <a:rPr lang="de-DE" dirty="0"/>
               <a:t>Hier darf keine error msg auf </a:t>
             </a:r>
             <a:r>
-              <a:rPr lang="de-DE" dirty="0" err="1" smtClean="0"/>
+              <a:rPr lang="de-DE" dirty="0" err="1"/>
               <a:t>stdout</a:t>
             </a:r>
             <a:r>
-              <a:rPr lang="de-DE" dirty="0" smtClean="0"/>
+              <a:rPr lang="de-DE" dirty="0"/>
+              <a:t> stehen</a:t>
+            </a:r>
+            <a:br>
+              <a:rPr lang="de-DE" dirty="0"/>
+            </a:br>
+            <a:r>
+              <a:rPr lang="de-DE" dirty="0"/>
+              <a:t>(</a:t>
+            </a:r>
+            <a:r>
+              <a:rPr lang="de-DE" dirty="0" err="1"/>
+              <a:t>z.b.</a:t>
+            </a:r>
+            <a:r>
+              <a:rPr lang="de-DE" dirty="0"/>
               <a:t> </a:t>
             </a:r>
             <a:r>
-              <a:rPr lang="de-DE" dirty="0" smtClean="0"/>
-              <a:t>stehen</a:t>
-            </a:r>
-            <a:br>
-              <a:rPr lang="de-DE" dirty="0" smtClean="0"/>
-            </a:br>
-            <a:r>
-              <a:rPr lang="de-DE" dirty="0" smtClean="0"/>
-              <a:t>(</a:t>
-            </a:r>
-            <a:r>
-              <a:rPr lang="de-DE" dirty="0" err="1" smtClean="0"/>
-              <a:t>z.b.</a:t>
-            </a:r>
-            <a:r>
-              <a:rPr lang="de-DE" dirty="0" smtClean="0"/>
+              <a:rPr lang="de-DE" dirty="0" err="1"/>
+              <a:t>owlready</a:t>
+            </a:r>
+            <a:r>
+              <a:rPr lang="de-DE" dirty="0"/>
               <a:t> </a:t>
             </a:r>
             <a:r>
-              <a:rPr lang="de-DE" dirty="0" err="1" smtClean="0"/>
-              <a:t>owlready</a:t>
-            </a:r>
-            <a:r>
-              <a:rPr lang="de-DE" dirty="0" smtClean="0"/>
-              <a:t> </a:t>
-            </a:r>
-            <a:r>
-              <a:rPr lang="de-DE" dirty="0" err="1" smtClean="0"/>
+              <a:rPr lang="de-DE" dirty="0" err="1"/>
               <a:t>warning</a:t>
             </a:r>
             <a:r>
-              <a:rPr lang="de-DE" dirty="0" smtClean="0"/>
+              <a:rPr lang="de-DE" dirty="0"/>
               <a:t>)</a:t>
             </a:r>
-            <a:endParaRPr lang="de-DE" dirty="0"/>
           </a:p>
         </p:txBody>
       </p:sp>
@@ -4967,10 +4939,9 @@
           <a:p>
             <a:pPr algn="ctr"/>
             <a:r>
-              <a:rPr lang="de-DE" dirty="0" smtClean="0"/>
+              <a:rPr lang="de-DE" dirty="0"/>
               <a:t>Erzeugt Ausgaben auf stdout</a:t>
             </a:r>
-            <a:endParaRPr lang="de-DE" dirty="0"/>
           </a:p>
         </p:txBody>
       </p:sp>
@@ -5059,7 +5030,7 @@
         </p:nvSpPr>
         <p:spPr>
           <a:xfrm>
-            <a:off x="4440076" y="5757376"/>
+            <a:off x="4089507" y="5757376"/>
             <a:ext cx="3313471" cy="369332"/>
           </a:xfrm>
           <a:prstGeom prst="rect">
@@ -5074,10 +5045,9 @@
           <a:lstStyle/>
           <a:p>
             <a:r>
-              <a:rPr lang="de-DE" dirty="0" smtClean="0"/>
+              <a:rPr lang="de-DE" dirty="0"/>
               <a:t>Hier kann error auf stdout stehen</a:t>
             </a:r>
-            <a:endParaRPr lang="de-DE" dirty="0"/>
           </a:p>
         </p:txBody>
       </p:sp>
@@ -5089,7 +5059,7 @@
         </p:nvSpPr>
         <p:spPr>
           <a:xfrm>
-            <a:off x="9508372" y="5411585"/>
+            <a:off x="9154335" y="5411586"/>
             <a:ext cx="1487979" cy="852055"/>
           </a:xfrm>
           <a:prstGeom prst="roundRect">
@@ -5121,10 +5091,9 @@
           <a:p>
             <a:pPr algn="ctr"/>
             <a:r>
-              <a:rPr lang="de-DE" dirty="0" smtClean="0"/>
+              <a:rPr lang="de-DE" dirty="0"/>
               <a:t>Ausgabe von stdout</a:t>
             </a:r>
-            <a:endParaRPr lang="de-DE" dirty="0"/>
           </a:p>
         </p:txBody>
       </p:sp>
@@ -5140,7 +5109,7 @@
         <p:spPr>
           <a:xfrm>
             <a:off x="8570421" y="4946072"/>
-            <a:ext cx="1681941" cy="465513"/>
+            <a:ext cx="1327904" cy="465514"/>
           </a:xfrm>
           <a:prstGeom prst="straightConnector1">
             <a:avLst/>
@@ -5201,10 +5170,9 @@
           <a:p>
             <a:pPr algn="ctr"/>
             <a:r>
-              <a:rPr lang="de-DE" dirty="0" smtClean="0"/>
+              <a:rPr lang="de-DE" dirty="0"/>
               <a:t>core</a:t>
             </a:r>
-            <a:endParaRPr lang="de-DE" dirty="0"/>
           </a:p>
         </p:txBody>
       </p:sp>
@@ -5323,18 +5291,9 @@
           <a:p>
             <a:pPr algn="ctr"/>
             <a:r>
-              <a:rPr lang="de-DE" sz="1400" dirty="0" smtClean="0"/>
-              <a:t>Subprocess schreibt error auf stdout</a:t>
-            </a:r>
-            <a:r>
               <a:rPr lang="de-DE" sz="1400" dirty="0"/>
-              <a:t> </a:t>
-            </a:r>
-            <a:r>
-              <a:rPr lang="de-DE" sz="1400" dirty="0" smtClean="0"/>
-              <a:t>-&gt; loggen und if !DEBUG: stdout =„“</a:t>
-            </a:r>
-            <a:endParaRPr lang="de-DE" sz="1400" dirty="0"/>
+              <a:t>Subprocess schreibt error auf stdout -&gt; loggen und if !DEBUG: stdout =„“</a:t>
+            </a:r>
           </a:p>
         </p:txBody>
       </p:sp>
@@ -5374,6 +5333,291 @@
           </a:fontRef>
         </p:style>
       </p:cxnSp>
+      <p:sp>
+        <p:nvSpPr>
+          <p:cNvPr id="2" name="Rechteck: abgerundete Ecken 1">
+            <a:extLst>
+              <a:ext uri="{FF2B5EF4-FFF2-40B4-BE49-F238E27FC236}">
+                <a16:creationId xmlns:a16="http://schemas.microsoft.com/office/drawing/2014/main" id="{C0264480-1CDA-4739-9EF8-4E47A8C17561}"/>
+              </a:ext>
+            </a:extLst>
+          </p:cNvPr>
+          <p:cNvSpPr/>
+          <p:nvPr/>
+        </p:nvSpPr>
+        <p:spPr>
+          <a:xfrm>
+            <a:off x="5600694" y="648947"/>
+            <a:ext cx="1521230" cy="499732"/>
+          </a:xfrm>
+          <a:prstGeom prst="roundRect">
+            <a:avLst/>
+          </a:prstGeom>
+        </p:spPr>
+        <p:style>
+          <a:lnRef idx="2">
+            <a:schemeClr val="accent1">
+              <a:shade val="50000"/>
+            </a:schemeClr>
+          </a:lnRef>
+          <a:fillRef idx="1">
+            <a:schemeClr val="accent1"/>
+          </a:fillRef>
+          <a:effectRef idx="0">
+            <a:schemeClr val="accent1"/>
+          </a:effectRef>
+          <a:fontRef idx="minor">
+            <a:schemeClr val="lt1"/>
+          </a:fontRef>
+        </p:style>
+        <p:txBody>
+          <a:bodyPr rtlCol="0" anchor="ctr"/>
+          <a:lstStyle/>
+          <a:p>
+            <a:pPr algn="ctr"/>
+            <a:r>
+              <a:rPr lang="de-DE" dirty="0" err="1"/>
+              <a:t>Cmd</a:t>
+            </a:r>
+            <a:endParaRPr lang="de-DE" dirty="0"/>
+          </a:p>
+        </p:txBody>
+      </p:sp>
+      <p:cxnSp>
+        <p:nvCxnSpPr>
+          <p:cNvPr id="9" name="Gerade Verbindung mit Pfeil 8">
+            <a:extLst>
+              <a:ext uri="{FF2B5EF4-FFF2-40B4-BE49-F238E27FC236}">
+                <a16:creationId xmlns:a16="http://schemas.microsoft.com/office/drawing/2014/main" id="{FC1838C7-B14C-49B2-ABEC-E5035A833FC7}"/>
+              </a:ext>
+            </a:extLst>
+          </p:cNvPr>
+          <p:cNvCxnSpPr>
+            <a:stCxn id="2" idx="1"/>
+            <a:endCxn id="44" idx="0"/>
+          </p:cNvCxnSpPr>
+          <p:nvPr/>
+        </p:nvCxnSpPr>
+        <p:spPr>
+          <a:xfrm flipH="1">
+            <a:off x="4571230" y="898813"/>
+            <a:ext cx="1029464" cy="1915043"/>
+          </a:xfrm>
+          <a:prstGeom prst="straightConnector1">
+            <a:avLst/>
+          </a:prstGeom>
+          <a:ln>
+            <a:tailEnd type="triangle"/>
+          </a:ln>
+        </p:spPr>
+        <p:style>
+          <a:lnRef idx="1">
+            <a:schemeClr val="accent1"/>
+          </a:lnRef>
+          <a:fillRef idx="0">
+            <a:schemeClr val="accent1"/>
+          </a:fillRef>
+          <a:effectRef idx="0">
+            <a:schemeClr val="accent1"/>
+          </a:effectRef>
+          <a:fontRef idx="minor">
+            <a:schemeClr val="tx1"/>
+          </a:fontRef>
+        </p:style>
+      </p:cxnSp>
+      <p:sp>
+        <p:nvSpPr>
+          <p:cNvPr id="12" name="Geschweifte Klammer rechts 11">
+            <a:extLst>
+              <a:ext uri="{FF2B5EF4-FFF2-40B4-BE49-F238E27FC236}">
+                <a16:creationId xmlns:a16="http://schemas.microsoft.com/office/drawing/2014/main" id="{8AF5F1B6-E943-4EB0-887F-C84FBBE722F0}"/>
+              </a:ext>
+            </a:extLst>
+          </p:cNvPr>
+          <p:cNvSpPr/>
+          <p:nvPr/>
+        </p:nvSpPr>
+        <p:spPr>
+          <a:xfrm>
+            <a:off x="10058400" y="437662"/>
+            <a:ext cx="498760" cy="3093168"/>
+          </a:xfrm>
+          <a:prstGeom prst="rightBrace">
+            <a:avLst>
+              <a:gd name="adj1" fmla="val 47507"/>
+              <a:gd name="adj2" fmla="val 50000"/>
+            </a:avLst>
+          </a:prstGeom>
+        </p:spPr>
+        <p:style>
+          <a:lnRef idx="1">
+            <a:schemeClr val="accent1"/>
+          </a:lnRef>
+          <a:fillRef idx="0">
+            <a:schemeClr val="accent1"/>
+          </a:fillRef>
+          <a:effectRef idx="0">
+            <a:schemeClr val="accent1"/>
+          </a:effectRef>
+          <a:fontRef idx="minor">
+            <a:schemeClr val="tx1"/>
+          </a:fontRef>
+        </p:style>
+        <p:txBody>
+          <a:bodyPr rtlCol="0" anchor="ctr"/>
+          <a:lstStyle/>
+          <a:p>
+            <a:pPr algn="ctr"/>
+            <a:endParaRPr lang="de-DE"/>
+          </a:p>
+        </p:txBody>
+      </p:sp>
+      <p:sp>
+        <p:nvSpPr>
+          <p:cNvPr id="13" name="Rechteck: abgerundete Ecken 12">
+            <a:extLst>
+              <a:ext uri="{FF2B5EF4-FFF2-40B4-BE49-F238E27FC236}">
+                <a16:creationId xmlns:a16="http://schemas.microsoft.com/office/drawing/2014/main" id="{1C547AA3-D236-435C-A7F8-5C80AE422C0A}"/>
+              </a:ext>
+            </a:extLst>
+          </p:cNvPr>
+          <p:cNvSpPr/>
+          <p:nvPr/>
+        </p:nvSpPr>
+        <p:spPr>
+          <a:xfrm>
+            <a:off x="10749208" y="1680743"/>
+            <a:ext cx="797167" cy="607005"/>
+          </a:xfrm>
+          <a:prstGeom prst="roundRect">
+            <a:avLst/>
+          </a:prstGeom>
+        </p:spPr>
+        <p:style>
+          <a:lnRef idx="2">
+            <a:schemeClr val="accent1">
+              <a:shade val="50000"/>
+            </a:schemeClr>
+          </a:lnRef>
+          <a:fillRef idx="1">
+            <a:schemeClr val="accent1"/>
+          </a:fillRef>
+          <a:effectRef idx="0">
+            <a:schemeClr val="accent1"/>
+          </a:effectRef>
+          <a:fontRef idx="minor">
+            <a:schemeClr val="lt1"/>
+          </a:fontRef>
+        </p:style>
+        <p:txBody>
+          <a:bodyPr rtlCol="0" anchor="ctr"/>
+          <a:lstStyle/>
+          <a:p>
+            <a:pPr algn="ctr"/>
+            <a:r>
+              <a:rPr lang="de-DE" dirty="0"/>
+              <a:t>User</a:t>
+            </a:r>
+          </a:p>
+        </p:txBody>
+      </p:sp>
+      <p:sp>
+        <p:nvSpPr>
+          <p:cNvPr id="15" name="Geschweifte Klammer rechts 14">
+            <a:extLst>
+              <a:ext uri="{FF2B5EF4-FFF2-40B4-BE49-F238E27FC236}">
+                <a16:creationId xmlns:a16="http://schemas.microsoft.com/office/drawing/2014/main" id="{4950DDAD-1B53-4AD1-8414-876885048E48}"/>
+              </a:ext>
+            </a:extLst>
+          </p:cNvPr>
+          <p:cNvSpPr/>
+          <p:nvPr/>
+        </p:nvSpPr>
+        <p:spPr>
+          <a:xfrm>
+            <a:off x="10430586" y="4139774"/>
+            <a:ext cx="864332" cy="2352430"/>
+          </a:xfrm>
+          <a:prstGeom prst="rightBrace">
+            <a:avLst>
+              <a:gd name="adj1" fmla="val 38172"/>
+              <a:gd name="adj2" fmla="val 50000"/>
+            </a:avLst>
+          </a:prstGeom>
+        </p:spPr>
+        <p:style>
+          <a:lnRef idx="1">
+            <a:schemeClr val="accent1"/>
+          </a:lnRef>
+          <a:fillRef idx="0">
+            <a:schemeClr val="accent1"/>
+          </a:fillRef>
+          <a:effectRef idx="0">
+            <a:schemeClr val="accent1"/>
+          </a:effectRef>
+          <a:fontRef idx="minor">
+            <a:schemeClr val="tx1"/>
+          </a:fontRef>
+        </p:style>
+        <p:txBody>
+          <a:bodyPr rtlCol="0" anchor="ctr"/>
+          <a:lstStyle/>
+          <a:p>
+            <a:pPr algn="ctr"/>
+            <a:endParaRPr lang="de-DE"/>
+          </a:p>
+        </p:txBody>
+      </p:sp>
+      <p:sp>
+        <p:nvSpPr>
+          <p:cNvPr id="17" name="Rechteck: abgerundete Ecken 16">
+            <a:extLst>
+              <a:ext uri="{FF2B5EF4-FFF2-40B4-BE49-F238E27FC236}">
+                <a16:creationId xmlns:a16="http://schemas.microsoft.com/office/drawing/2014/main" id="{A9D4BE9A-6CCB-42E0-A449-8DBDEB200034}"/>
+              </a:ext>
+            </a:extLst>
+          </p:cNvPr>
+          <p:cNvSpPr/>
+          <p:nvPr/>
+        </p:nvSpPr>
+        <p:spPr>
+          <a:xfrm>
+            <a:off x="11404336" y="4979927"/>
+            <a:ext cx="668680" cy="672123"/>
+          </a:xfrm>
+          <a:prstGeom prst="roundRect">
+            <a:avLst/>
+          </a:prstGeom>
+        </p:spPr>
+        <p:style>
+          <a:lnRef idx="2">
+            <a:schemeClr val="accent1">
+              <a:shade val="50000"/>
+            </a:schemeClr>
+          </a:lnRef>
+          <a:fillRef idx="1">
+            <a:schemeClr val="accent1"/>
+          </a:fillRef>
+          <a:effectRef idx="0">
+            <a:schemeClr val="accent1"/>
+          </a:effectRef>
+          <a:fontRef idx="minor">
+            <a:schemeClr val="lt1"/>
+          </a:fontRef>
+        </p:style>
+        <p:txBody>
+          <a:bodyPr rtlCol="0" anchor="ctr"/>
+          <a:lstStyle/>
+          <a:p>
+            <a:pPr algn="ctr"/>
+            <a:r>
+              <a:rPr lang="de-DE" dirty="0" err="1"/>
+              <a:t>Dev</a:t>
+            </a:r>
+            <a:endParaRPr lang="de-DE" dirty="0"/>
+          </a:p>
+        </p:txBody>
+      </p:sp>
     </p:spTree>
     <p:extLst>
       <p:ext uri="{BB962C8B-B14F-4D97-AF65-F5344CB8AC3E}">
@@ -5384,13 +5628,6 @@
   <p:clrMapOvr>
     <a:masterClrMapping/>
   </p:clrMapOvr>
-  <p:timing>
-    <p:tnLst>
-      <p:par>
-        <p:cTn id="1" dur="indefinite" restart="never" nodeType="tmRoot"/>
-      </p:par>
-    </p:tnLst>
-  </p:timing>
 </p:sld>
 </file>
 
@@ -5429,10 +5666,9 @@
           <a:lstStyle/>
           <a:p>
             <a:r>
-              <a:rPr lang="de-DE" sz="2800" dirty="0" smtClean="0"/>
+              <a:rPr lang="de-DE" sz="2800" dirty="0"/>
               <a:t>Offene Fragen</a:t>
             </a:r>
-            <a:endParaRPr lang="de-DE" sz="2800" dirty="0"/>
           </a:p>
         </p:txBody>
       </p:sp>
@@ -5454,46 +5690,87 @@
           <a:lstStyle/>
           <a:p>
             <a:r>
-              <a:rPr lang="de-DE" sz="1800" dirty="0" smtClean="0"/>
+              <a:rPr lang="de-DE" sz="1800" dirty="0"/>
               <a:t>Warum stehen error messages nicht auf stderr?</a:t>
             </a:r>
           </a:p>
           <a:p>
             <a:r>
-              <a:rPr lang="de-DE" sz="1800" dirty="0" smtClean="0"/>
+              <a:rPr lang="de-DE" sz="1800" dirty="0"/>
               <a:t>Wie vermeiden, dass subprocess auf stdout schreibt, ohne dabei output von ackrep_data zu verlieren?</a:t>
             </a:r>
           </a:p>
           <a:p>
             <a:r>
-              <a:rPr lang="de-DE" sz="1800" dirty="0" smtClean="0"/>
+              <a:rPr lang="de-DE" sz="1800" dirty="0"/>
               <a:t>Bei Fehler, was soll in GUI angezeigt/ nicht mehr angezeigt werden (</a:t>
             </a:r>
             <a:r>
-              <a:rPr lang="de-DE" sz="1800" dirty="0" err="1" smtClean="0"/>
+              <a:rPr lang="de-DE" sz="1800" dirty="0" err="1"/>
               <a:t>output</a:t>
             </a:r>
             <a:r>
-              <a:rPr lang="de-DE" sz="1800" dirty="0" smtClean="0"/>
+              <a:rPr lang="de-DE" sz="1800" dirty="0"/>
               <a:t>, </a:t>
             </a:r>
             <a:r>
-              <a:rPr lang="de-DE" sz="1800" dirty="0" err="1" smtClean="0"/>
+              <a:rPr lang="de-DE" sz="1800" dirty="0" err="1"/>
               <a:t>plot</a:t>
             </a:r>
             <a:r>
-              <a:rPr lang="de-DE" sz="1800" dirty="0" smtClean="0"/>
+              <a:rPr lang="de-DE" sz="1800" dirty="0"/>
               <a:t>, </a:t>
             </a:r>
             <a:r>
-              <a:rPr lang="de-DE" sz="1800" dirty="0" err="1" smtClean="0"/>
+              <a:rPr lang="de-DE" sz="1800" dirty="0" err="1"/>
               <a:t>pdf</a:t>
             </a:r>
             <a:r>
-              <a:rPr lang="de-DE" sz="1800" smtClean="0"/>
+              <a:rPr lang="de-DE" sz="1800" dirty="0"/>
               <a:t>,…)?</a:t>
             </a:r>
-            <a:endParaRPr lang="de-DE" sz="1800" dirty="0"/>
+          </a:p>
+          <a:p>
+            <a:r>
+              <a:rPr lang="de-DE" sz="1800" dirty="0">
+                <a:solidFill>
+                  <a:srgbClr val="FF0000"/>
+                </a:solidFill>
+              </a:rPr>
+              <a:t>Unterscheidung unerwartetes </a:t>
+            </a:r>
+            <a:r>
+              <a:rPr lang="de-DE" sz="1800" dirty="0" err="1">
+                <a:solidFill>
+                  <a:srgbClr val="FF0000"/>
+                </a:solidFill>
+              </a:rPr>
+              <a:t>ergebnis</a:t>
+            </a:r>
+            <a:r>
+              <a:rPr lang="de-DE" sz="1800" dirty="0">
+                <a:solidFill>
+                  <a:srgbClr val="FF0000"/>
+                </a:solidFill>
+              </a:rPr>
+              <a:t> vs. Code </a:t>
+            </a:r>
+            <a:r>
+              <a:rPr lang="de-DE" sz="1800" dirty="0" err="1">
+                <a:solidFill>
+                  <a:srgbClr val="FF0000"/>
+                </a:solidFill>
+              </a:rPr>
+              <a:t>error</a:t>
+            </a:r>
+            <a:r>
+              <a:rPr lang="de-DE" sz="1800" dirty="0">
+                <a:solidFill>
+                  <a:srgbClr val="FF0000"/>
+                </a:solidFill>
+              </a:rPr>
+              <a:t> </a:t>
+            </a:r>
           </a:p>
         </p:txBody>
       </p:sp>
@@ -5507,13 +5784,6 @@
   <p:clrMapOvr>
     <a:masterClrMapping/>
   </p:clrMapOvr>
-  <p:timing>
-    <p:tnLst>
-      <p:par>
-        <p:cTn id="1" dur="indefinite" restart="never" nodeType="tmRoot"/>
-      </p:par>
-    </p:tnLst>
-  </p:timing>
 </p:sld>
 </file>
 
